--- a/00-What-you-need.pptx
+++ b/00-What-you-need.pptx
@@ -4465,8 +4465,12 @@
           <a:lstStyle/>
           <a:p>
             <a:r>
-              <a:rPr lang="en-US" dirty="0"/>
-              <a:t>last updated: August ?, 2019</a:t>
+              <a:rPr lang="en-US" u="sng" dirty="0"/>
+              <a:t>last updated</a:t>
+            </a:r>
+            <a:r>
+              <a:rPr lang="en-US" dirty="0"/>
+              <a:t>: August 16, 2019</a:t>
             </a:r>
           </a:p>
         </p:txBody>

--- a/00-What-you-need.pptx
+++ b/00-What-you-need.pptx
@@ -5,10 +5,17 @@
     <p:sldMasterId id="2147483660" r:id="rId1"/>
   </p:sldMasterIdLst>
   <p:notesMasterIdLst>
-    <p:notesMasterId r:id="rId3"/>
+    <p:notesMasterId r:id="rId10"/>
   </p:notesMasterIdLst>
   <p:sldIdLst>
     <p:sldId id="257" r:id="rId2"/>
+    <p:sldId id="258" r:id="rId3"/>
+    <p:sldId id="259" r:id="rId4"/>
+    <p:sldId id="260" r:id="rId5"/>
+    <p:sldId id="261" r:id="rId6"/>
+    <p:sldId id="262" r:id="rId7"/>
+    <p:sldId id="264" r:id="rId8"/>
+    <p:sldId id="263" r:id="rId9"/>
   </p:sldIdLst>
   <p:sldSz cx="9144000" cy="5143500" type="screen16x9"/>
   <p:notesSz cx="6858000" cy="9144000"/>
@@ -4461,15 +4468,17 @@
         </p:nvSpPr>
         <p:spPr/>
         <p:txBody>
-          <a:bodyPr/>
+          <a:bodyPr>
+            <a:normAutofit/>
+          </a:bodyPr>
           <a:lstStyle/>
           <a:p>
             <a:r>
-              <a:rPr lang="en-US" u="sng" dirty="0"/>
+              <a:rPr lang="en-US" sz="1800" u="sng" dirty="0"/>
               <a:t>last updated</a:t>
             </a:r>
             <a:r>
-              <a:rPr lang="en-US" dirty="0"/>
+              <a:rPr lang="en-US" sz="1800" dirty="0"/>
               <a:t>: August 16, 2019</a:t>
             </a:r>
           </a:p>
@@ -4518,6 +4527,1463 @@
     <p:extLst>
       <p:ext uri="{BB962C8B-B14F-4D97-AF65-F5344CB8AC3E}">
         <p14:creationId xmlns:p14="http://schemas.microsoft.com/office/powerpoint/2010/main" val="2374296780"/>
+      </p:ext>
+    </p:extLst>
+  </p:cSld>
+  <p:clrMapOvr>
+    <a:masterClrMapping/>
+  </p:clrMapOvr>
+</p:sld>
+</file>
+
+<file path=ppt/slides/slide2.xml><?xml version="1.0" encoding="utf-8"?>
+<p:sld xmlns:a="http://schemas.openxmlformats.org/drawingml/2006/main" xmlns:r="http://schemas.openxmlformats.org/officeDocument/2006/relationships" xmlns:p="http://schemas.openxmlformats.org/presentationml/2006/main">
+  <p:cSld>
+    <p:spTree>
+      <p:nvGrpSpPr>
+        <p:cNvPr id="1" name=""/>
+        <p:cNvGrpSpPr/>
+        <p:nvPr/>
+      </p:nvGrpSpPr>
+      <p:grpSpPr>
+        <a:xfrm>
+          <a:off x="0" y="0"/>
+          <a:ext cx="0" cy="0"/>
+          <a:chOff x="0" y="0"/>
+          <a:chExt cx="0" cy="0"/>
+        </a:xfrm>
+      </p:grpSpPr>
+      <p:sp>
+        <p:nvSpPr>
+          <p:cNvPr id="2" name="Title 1">
+            <a:extLst>
+              <a:ext uri="{FF2B5EF4-FFF2-40B4-BE49-F238E27FC236}">
+                <a16:creationId xmlns:a16="http://schemas.microsoft.com/office/drawing/2014/main" id="{281C6913-6593-49B3-8EAB-B8CBCEE98C50}"/>
+              </a:ext>
+            </a:extLst>
+          </p:cNvPr>
+          <p:cNvSpPr>
+            <a:spLocks noGrp="1"/>
+          </p:cNvSpPr>
+          <p:nvPr>
+            <p:ph type="title"/>
+          </p:nvPr>
+        </p:nvSpPr>
+        <p:spPr/>
+        <p:txBody>
+          <a:bodyPr/>
+          <a:lstStyle/>
+          <a:p>
+            <a:r>
+              <a:rPr lang="en-US" dirty="0"/>
+              <a:t>Checklist</a:t>
+            </a:r>
+          </a:p>
+        </p:txBody>
+      </p:sp>
+      <p:sp>
+        <p:nvSpPr>
+          <p:cNvPr id="3" name="Content Placeholder 2">
+            <a:extLst>
+              <a:ext uri="{FF2B5EF4-FFF2-40B4-BE49-F238E27FC236}">
+                <a16:creationId xmlns:a16="http://schemas.microsoft.com/office/drawing/2014/main" id="{9EC321B9-1513-41AA-B8F0-BF42E5CDAF80}"/>
+              </a:ext>
+            </a:extLst>
+          </p:cNvPr>
+          <p:cNvSpPr>
+            <a:spLocks noGrp="1"/>
+          </p:cNvSpPr>
+          <p:nvPr>
+            <p:ph idx="1"/>
+          </p:nvPr>
+        </p:nvSpPr>
+        <p:spPr/>
+        <p:txBody>
+          <a:bodyPr/>
+          <a:lstStyle/>
+          <a:p>
+            <a:r>
+              <a:rPr lang="en-US" dirty="0"/>
+              <a:t>PhysiCell development environment</a:t>
+            </a:r>
+          </a:p>
+          <a:p>
+            <a:r>
+              <a:rPr lang="en-US" dirty="0" err="1"/>
+              <a:t>nanoHUB</a:t>
+            </a:r>
+            <a:r>
+              <a:rPr lang="en-US" dirty="0"/>
+              <a:t> account</a:t>
+            </a:r>
+          </a:p>
+          <a:p>
+            <a:r>
+              <a:rPr lang="en-US" dirty="0"/>
+              <a:t>optional tools</a:t>
+            </a:r>
+          </a:p>
+        </p:txBody>
+      </p:sp>
+    </p:spTree>
+    <p:extLst>
+      <p:ext uri="{BB962C8B-B14F-4D97-AF65-F5344CB8AC3E}">
+        <p14:creationId xmlns:p14="http://schemas.microsoft.com/office/powerpoint/2010/main" val="5844248"/>
+      </p:ext>
+    </p:extLst>
+  </p:cSld>
+  <p:clrMapOvr>
+    <a:masterClrMapping/>
+  </p:clrMapOvr>
+</p:sld>
+</file>
+
+<file path=ppt/slides/slide3.xml><?xml version="1.0" encoding="utf-8"?>
+<p:sld xmlns:a="http://schemas.openxmlformats.org/drawingml/2006/main" xmlns:r="http://schemas.openxmlformats.org/officeDocument/2006/relationships" xmlns:p="http://schemas.openxmlformats.org/presentationml/2006/main">
+  <p:cSld>
+    <p:spTree>
+      <p:nvGrpSpPr>
+        <p:cNvPr id="1" name=""/>
+        <p:cNvGrpSpPr/>
+        <p:nvPr/>
+      </p:nvGrpSpPr>
+      <p:grpSpPr>
+        <a:xfrm>
+          <a:off x="0" y="0"/>
+          <a:ext cx="0" cy="0"/>
+          <a:chOff x="0" y="0"/>
+          <a:chExt cx="0" cy="0"/>
+        </a:xfrm>
+      </p:grpSpPr>
+      <p:sp>
+        <p:nvSpPr>
+          <p:cNvPr id="2" name="Title 1">
+            <a:extLst>
+              <a:ext uri="{FF2B5EF4-FFF2-40B4-BE49-F238E27FC236}">
+                <a16:creationId xmlns:a16="http://schemas.microsoft.com/office/drawing/2014/main" id="{5C368F62-7335-4424-9F6B-4B7C1A0465DD}"/>
+              </a:ext>
+            </a:extLst>
+          </p:cNvPr>
+          <p:cNvSpPr>
+            <a:spLocks noGrp="1"/>
+          </p:cNvSpPr>
+          <p:nvPr>
+            <p:ph type="title"/>
+          </p:nvPr>
+        </p:nvSpPr>
+        <p:spPr/>
+        <p:txBody>
+          <a:bodyPr/>
+          <a:lstStyle/>
+          <a:p>
+            <a:r>
+              <a:rPr lang="en-US" dirty="0"/>
+              <a:t>PhysiCell development environment</a:t>
+            </a:r>
+          </a:p>
+        </p:txBody>
+      </p:sp>
+      <p:sp>
+        <p:nvSpPr>
+          <p:cNvPr id="3" name="Content Placeholder 2">
+            <a:extLst>
+              <a:ext uri="{FF2B5EF4-FFF2-40B4-BE49-F238E27FC236}">
+                <a16:creationId xmlns:a16="http://schemas.microsoft.com/office/drawing/2014/main" id="{675FD4E6-9C8E-4DBB-9737-AB799584CEF0}"/>
+              </a:ext>
+            </a:extLst>
+          </p:cNvPr>
+          <p:cNvSpPr>
+            <a:spLocks noGrp="1"/>
+          </p:cNvSpPr>
+          <p:nvPr>
+            <p:ph idx="1"/>
+          </p:nvPr>
+        </p:nvSpPr>
+        <p:spPr/>
+        <p:txBody>
+          <a:bodyPr>
+            <a:normAutofit fontScale="92500" lnSpcReduction="10000"/>
+          </a:bodyPr>
+          <a:lstStyle/>
+          <a:p>
+            <a:r>
+              <a:rPr lang="en-US" b="1" dirty="0"/>
+              <a:t>Local install </a:t>
+            </a:r>
+            <a:r>
+              <a:rPr lang="en-US" dirty="0"/>
+              <a:t>(64-bit g++ environment with OpenMP support)</a:t>
+            </a:r>
+          </a:p>
+          <a:p>
+            <a:pPr lvl="1"/>
+            <a:r>
+              <a:rPr lang="en-US" dirty="0"/>
+              <a:t>64-bit g++ (with OpenMP) and standard command-line tools</a:t>
+            </a:r>
+          </a:p>
+          <a:p>
+            <a:pPr lvl="1"/>
+            <a:r>
+              <a:rPr lang="en-US" dirty="0"/>
+              <a:t>Your choice of code editing </a:t>
+            </a:r>
+          </a:p>
+          <a:p>
+            <a:pPr lvl="1"/>
+            <a:r>
+              <a:rPr lang="en-US" dirty="0"/>
+              <a:t>Ideal for long-term development </a:t>
+            </a:r>
+          </a:p>
+          <a:p>
+            <a:endParaRPr lang="en-US" dirty="0"/>
+          </a:p>
+          <a:p>
+            <a:r>
+              <a:rPr lang="en-US" b="1" dirty="0"/>
+              <a:t>Virtual appliance </a:t>
+            </a:r>
+            <a:endParaRPr lang="en-US" dirty="0"/>
+          </a:p>
+          <a:p>
+            <a:pPr lvl="1"/>
+            <a:r>
+              <a:rPr lang="en-US" dirty="0"/>
+              <a:t>Pre-configured environment that runs in VirtualBox as a virtual machine</a:t>
+            </a:r>
+          </a:p>
+          <a:p>
+            <a:pPr lvl="1"/>
+            <a:r>
+              <a:rPr lang="en-US" dirty="0"/>
+              <a:t>Use this while debugging your local install, but slow</a:t>
+            </a:r>
+          </a:p>
+          <a:p>
+            <a:pPr lvl="1"/>
+            <a:endParaRPr lang="en-US" dirty="0"/>
+          </a:p>
+          <a:p>
+            <a:r>
+              <a:rPr lang="en-US" b="1" dirty="0"/>
+              <a:t>Cloud-hosted environment</a:t>
+            </a:r>
+          </a:p>
+          <a:p>
+            <a:pPr lvl="1"/>
+            <a:r>
+              <a:rPr lang="en-US" dirty="0"/>
+              <a:t>Cloud-hosted VM on nanoHUB.org </a:t>
+            </a:r>
+          </a:p>
+          <a:p>
+            <a:pPr lvl="1"/>
+            <a:r>
+              <a:rPr lang="en-US" dirty="0"/>
+              <a:t>Ideal for use in short courses and classrooms</a:t>
+            </a:r>
+          </a:p>
+        </p:txBody>
+      </p:sp>
+    </p:spTree>
+    <p:extLst>
+      <p:ext uri="{BB962C8B-B14F-4D97-AF65-F5344CB8AC3E}">
+        <p14:creationId xmlns:p14="http://schemas.microsoft.com/office/powerpoint/2010/main" val="1299250776"/>
+      </p:ext>
+    </p:extLst>
+  </p:cSld>
+  <p:clrMapOvr>
+    <a:masterClrMapping/>
+  </p:clrMapOvr>
+</p:sld>
+</file>
+
+<file path=ppt/slides/slide4.xml><?xml version="1.0" encoding="utf-8"?>
+<p:sld xmlns:a="http://schemas.openxmlformats.org/drawingml/2006/main" xmlns:r="http://schemas.openxmlformats.org/officeDocument/2006/relationships" xmlns:p="http://schemas.openxmlformats.org/presentationml/2006/main">
+  <p:cSld>
+    <p:spTree>
+      <p:nvGrpSpPr>
+        <p:cNvPr id="1" name=""/>
+        <p:cNvGrpSpPr/>
+        <p:nvPr/>
+      </p:nvGrpSpPr>
+      <p:grpSpPr>
+        <a:xfrm>
+          <a:off x="0" y="0"/>
+          <a:ext cx="0" cy="0"/>
+          <a:chOff x="0" y="0"/>
+          <a:chExt cx="0" cy="0"/>
+        </a:xfrm>
+      </p:grpSpPr>
+      <p:sp>
+        <p:nvSpPr>
+          <p:cNvPr id="2" name="Title 1">
+            <a:extLst>
+              <a:ext uri="{FF2B5EF4-FFF2-40B4-BE49-F238E27FC236}">
+                <a16:creationId xmlns:a16="http://schemas.microsoft.com/office/drawing/2014/main" id="{A1608C01-04B7-4136-BC4F-AB3237C09422}"/>
+              </a:ext>
+            </a:extLst>
+          </p:cNvPr>
+          <p:cNvSpPr>
+            <a:spLocks noGrp="1"/>
+          </p:cNvSpPr>
+          <p:nvPr>
+            <p:ph type="title"/>
+          </p:nvPr>
+        </p:nvSpPr>
+        <p:spPr/>
+        <p:txBody>
+          <a:bodyPr/>
+          <a:lstStyle/>
+          <a:p>
+            <a:r>
+              <a:rPr lang="en-US" dirty="0"/>
+              <a:t>Local environment</a:t>
+            </a:r>
+          </a:p>
+        </p:txBody>
+      </p:sp>
+      <p:sp>
+        <p:nvSpPr>
+          <p:cNvPr id="3" name="Content Placeholder 2">
+            <a:extLst>
+              <a:ext uri="{FF2B5EF4-FFF2-40B4-BE49-F238E27FC236}">
+                <a16:creationId xmlns:a16="http://schemas.microsoft.com/office/drawing/2014/main" id="{701145C8-A179-410D-A9BE-1570BDA04699}"/>
+              </a:ext>
+            </a:extLst>
+          </p:cNvPr>
+          <p:cNvSpPr>
+            <a:spLocks noGrp="1"/>
+          </p:cNvSpPr>
+          <p:nvPr>
+            <p:ph idx="1"/>
+          </p:nvPr>
+        </p:nvSpPr>
+        <p:spPr/>
+        <p:txBody>
+          <a:bodyPr>
+            <a:normAutofit fontScale="92500" lnSpcReduction="20000"/>
+          </a:bodyPr>
+          <a:lstStyle/>
+          <a:p>
+            <a:r>
+              <a:rPr lang="en-US" b="1" u="sng" dirty="0"/>
+              <a:t>Minimal tools</a:t>
+            </a:r>
+            <a:r>
+              <a:rPr lang="en-US" b="1" dirty="0"/>
+              <a:t>:</a:t>
+            </a:r>
+          </a:p>
+          <a:p>
+            <a:pPr lvl="1"/>
+            <a:r>
+              <a:rPr lang="en-US" dirty="0"/>
+              <a:t>64-bit g++ with OpenMP support (other compilers okay)</a:t>
+            </a:r>
+          </a:p>
+          <a:p>
+            <a:pPr lvl="1"/>
+            <a:r>
+              <a:rPr lang="en-US" dirty="0"/>
+              <a:t>Make and zip/unzip (at command line)</a:t>
+            </a:r>
+          </a:p>
+          <a:p>
+            <a:pPr lvl="1"/>
+            <a:r>
+              <a:rPr lang="en-US" dirty="0"/>
+              <a:t>Some sort of code editor (I just use a text editor.) </a:t>
+            </a:r>
+          </a:p>
+          <a:p>
+            <a:r>
+              <a:rPr lang="en-US" b="1" u="sng" dirty="0"/>
+              <a:t>Setup tutorials</a:t>
+            </a:r>
+            <a:r>
+              <a:rPr lang="en-US" b="1" dirty="0"/>
+              <a:t>: </a:t>
+            </a:r>
+          </a:p>
+          <a:p>
+            <a:pPr lvl="1"/>
+            <a:r>
+              <a:rPr lang="en-US" b="1" u="sng" dirty="0"/>
+              <a:t>Linux</a:t>
+            </a:r>
+            <a:r>
+              <a:rPr lang="en-US" b="1" dirty="0"/>
+              <a:t>:</a:t>
+            </a:r>
+            <a:r>
+              <a:rPr lang="en-US" dirty="0"/>
+              <a:t> You probably already have it! Use your package manager as needed.</a:t>
+            </a:r>
+          </a:p>
+          <a:p>
+            <a:pPr lvl="1"/>
+            <a:endParaRPr lang="en-US" sz="900" dirty="0"/>
+          </a:p>
+          <a:p>
+            <a:pPr lvl="1"/>
+            <a:r>
+              <a:rPr lang="en-US" b="1" u="sng" dirty="0"/>
+              <a:t>Windows</a:t>
+            </a:r>
+            <a:r>
+              <a:rPr lang="en-US" b="1" dirty="0"/>
+              <a:t>:</a:t>
+            </a:r>
+            <a:r>
+              <a:rPr lang="en-US" dirty="0"/>
+              <a:t> We wrote detailed instructions here, based on mingw-w64 and </a:t>
+            </a:r>
+            <a:r>
+              <a:rPr lang="en-US" dirty="0" err="1"/>
+              <a:t>msys</a:t>
+            </a:r>
+            <a:r>
+              <a:rPr lang="en-US" dirty="0"/>
+              <a:t>:</a:t>
+            </a:r>
+          </a:p>
+          <a:p>
+            <a:pPr marL="171450" lvl="1" indent="0">
+              <a:buNone/>
+            </a:pPr>
+            <a:r>
+              <a:rPr lang="en-US" dirty="0"/>
+              <a:t>	</a:t>
+            </a:r>
+            <a:r>
+              <a:rPr lang="en-US" dirty="0">
+                <a:hlinkClick r:id="rId2"/>
+              </a:rPr>
+              <a:t>http://www.mathcancer.org/blog/setting-up-a-64-bit-gcc-environment-on-windows/</a:t>
+            </a:r>
+            <a:r>
+              <a:rPr lang="en-US" dirty="0"/>
+              <a:t> </a:t>
+            </a:r>
+          </a:p>
+          <a:p>
+            <a:pPr lvl="1"/>
+            <a:endParaRPr lang="en-US" sz="900" dirty="0"/>
+          </a:p>
+          <a:p>
+            <a:pPr lvl="1"/>
+            <a:r>
+              <a:rPr lang="en-US" b="1" u="sng" dirty="0"/>
+              <a:t>OSX</a:t>
+            </a:r>
+            <a:r>
+              <a:rPr lang="en-US" b="1" dirty="0"/>
+              <a:t>:</a:t>
+            </a:r>
+            <a:r>
+              <a:rPr lang="en-US" dirty="0"/>
+              <a:t> We wrote a tutorial using Homebrew:</a:t>
+            </a:r>
+          </a:p>
+          <a:p>
+            <a:pPr lvl="2"/>
+            <a:r>
+              <a:rPr lang="en-US" i="1" u="sng" dirty="0"/>
+              <a:t>Note</a:t>
+            </a:r>
+            <a:r>
+              <a:rPr lang="en-US" i="1" dirty="0"/>
+              <a:t>:</a:t>
+            </a:r>
+            <a:r>
+              <a:rPr lang="en-US" dirty="0"/>
+              <a:t> OSX has "</a:t>
+            </a:r>
+            <a:r>
+              <a:rPr lang="en-US" dirty="0" err="1"/>
+              <a:t>gcc</a:t>
+            </a:r>
+            <a:r>
+              <a:rPr lang="en-US" dirty="0"/>
+              <a:t>" which is actually </a:t>
+            </a:r>
+            <a:r>
+              <a:rPr lang="en-US" dirty="0" err="1"/>
+              <a:t>llvm</a:t>
+            </a:r>
+            <a:r>
+              <a:rPr lang="en-US" dirty="0"/>
+              <a:t>/clang without OpenMP support</a:t>
+            </a:r>
+          </a:p>
+          <a:p>
+            <a:pPr lvl="2"/>
+            <a:r>
+              <a:rPr lang="en-US" i="1" u="sng" dirty="0"/>
+              <a:t>Note</a:t>
+            </a:r>
+            <a:r>
+              <a:rPr lang="en-US" i="1" dirty="0"/>
+              <a:t>:</a:t>
+            </a:r>
+            <a:r>
+              <a:rPr lang="en-US" dirty="0"/>
+              <a:t> OSX users must set an environment variable. So</a:t>
+            </a:r>
+            <a:r>
+              <a:rPr lang="en-US" i="1" dirty="0"/>
+              <a:t> please do </a:t>
+            </a:r>
+            <a:r>
+              <a:rPr lang="en-US" dirty="0"/>
+              <a:t>use the tutorial</a:t>
+            </a:r>
+          </a:p>
+          <a:p>
+            <a:pPr marL="171450" lvl="1" indent="0">
+              <a:buNone/>
+            </a:pPr>
+            <a:r>
+              <a:rPr lang="en-US" dirty="0"/>
+              <a:t>	</a:t>
+            </a:r>
+            <a:r>
+              <a:rPr lang="en-US" dirty="0">
+                <a:hlinkClick r:id="rId3"/>
+              </a:rPr>
+              <a:t>http://www.mathcancer.org/blog/setting-up-gcc-openmp-on-osx-homebrew-edition/</a:t>
+            </a:r>
+            <a:r>
+              <a:rPr lang="en-US" dirty="0"/>
+              <a:t> </a:t>
+            </a:r>
+          </a:p>
+        </p:txBody>
+      </p:sp>
+    </p:spTree>
+    <p:extLst>
+      <p:ext uri="{BB962C8B-B14F-4D97-AF65-F5344CB8AC3E}">
+        <p14:creationId xmlns:p14="http://schemas.microsoft.com/office/powerpoint/2010/main" val="1261378678"/>
+      </p:ext>
+    </p:extLst>
+  </p:cSld>
+  <p:clrMapOvr>
+    <a:masterClrMapping/>
+  </p:clrMapOvr>
+</p:sld>
+</file>
+
+<file path=ppt/slides/slide5.xml><?xml version="1.0" encoding="utf-8"?>
+<p:sld xmlns:a="http://schemas.openxmlformats.org/drawingml/2006/main" xmlns:r="http://schemas.openxmlformats.org/officeDocument/2006/relationships" xmlns:p="http://schemas.openxmlformats.org/presentationml/2006/main">
+  <p:cSld>
+    <p:spTree>
+      <p:nvGrpSpPr>
+        <p:cNvPr id="1" name=""/>
+        <p:cNvGrpSpPr/>
+        <p:nvPr/>
+      </p:nvGrpSpPr>
+      <p:grpSpPr>
+        <a:xfrm>
+          <a:off x="0" y="0"/>
+          <a:ext cx="0" cy="0"/>
+          <a:chOff x="0" y="0"/>
+          <a:chExt cx="0" cy="0"/>
+        </a:xfrm>
+      </p:grpSpPr>
+      <p:sp>
+        <p:nvSpPr>
+          <p:cNvPr id="2" name="Title 1">
+            <a:extLst>
+              <a:ext uri="{FF2B5EF4-FFF2-40B4-BE49-F238E27FC236}">
+                <a16:creationId xmlns:a16="http://schemas.microsoft.com/office/drawing/2014/main" id="{A1608C01-04B7-4136-BC4F-AB3237C09422}"/>
+              </a:ext>
+            </a:extLst>
+          </p:cNvPr>
+          <p:cNvSpPr>
+            <a:spLocks noGrp="1"/>
+          </p:cNvSpPr>
+          <p:nvPr>
+            <p:ph type="title"/>
+          </p:nvPr>
+        </p:nvSpPr>
+        <p:spPr/>
+        <p:txBody>
+          <a:bodyPr/>
+          <a:lstStyle/>
+          <a:p>
+            <a:r>
+              <a:rPr lang="en-US" dirty="0"/>
+              <a:t>Virtual Appliance</a:t>
+            </a:r>
+          </a:p>
+        </p:txBody>
+      </p:sp>
+      <p:sp>
+        <p:nvSpPr>
+          <p:cNvPr id="3" name="Content Placeholder 2">
+            <a:extLst>
+              <a:ext uri="{FF2B5EF4-FFF2-40B4-BE49-F238E27FC236}">
+                <a16:creationId xmlns:a16="http://schemas.microsoft.com/office/drawing/2014/main" id="{701145C8-A179-410D-A9BE-1570BDA04699}"/>
+              </a:ext>
+            </a:extLst>
+          </p:cNvPr>
+          <p:cNvSpPr>
+            <a:spLocks noGrp="1"/>
+          </p:cNvSpPr>
+          <p:nvPr>
+            <p:ph idx="1"/>
+          </p:nvPr>
+        </p:nvSpPr>
+        <p:spPr/>
+        <p:txBody>
+          <a:bodyPr>
+            <a:normAutofit fontScale="92500" lnSpcReduction="20000"/>
+          </a:bodyPr>
+          <a:lstStyle/>
+          <a:p>
+            <a:r>
+              <a:rPr lang="en-US" b="1" u="sng" dirty="0"/>
+              <a:t>Minimal tools</a:t>
+            </a:r>
+            <a:r>
+              <a:rPr lang="en-US" b="1" dirty="0"/>
+              <a:t>:</a:t>
+            </a:r>
+          </a:p>
+          <a:p>
+            <a:pPr lvl="1"/>
+            <a:r>
+              <a:rPr lang="en-US" dirty="0"/>
+              <a:t>64-bit g++ with OpenMP support (other compilers okay)</a:t>
+            </a:r>
+          </a:p>
+          <a:p>
+            <a:pPr lvl="1"/>
+            <a:r>
+              <a:rPr lang="en-US" dirty="0"/>
+              <a:t>Make and zip/unzip (at command line)</a:t>
+            </a:r>
+          </a:p>
+          <a:p>
+            <a:pPr lvl="1"/>
+            <a:r>
+              <a:rPr lang="en-US" dirty="0"/>
+              <a:t>Some sort of code editor (I just use a text editor.) </a:t>
+            </a:r>
+          </a:p>
+          <a:p>
+            <a:r>
+              <a:rPr lang="en-US" b="1" u="sng" dirty="0"/>
+              <a:t>Setup tutorials</a:t>
+            </a:r>
+            <a:r>
+              <a:rPr lang="en-US" b="1" dirty="0"/>
+              <a:t>: </a:t>
+            </a:r>
+          </a:p>
+          <a:p>
+            <a:pPr lvl="1"/>
+            <a:r>
+              <a:rPr lang="en-US" b="1" u="sng" dirty="0"/>
+              <a:t>Linux</a:t>
+            </a:r>
+            <a:r>
+              <a:rPr lang="en-US" b="1" dirty="0"/>
+              <a:t>:</a:t>
+            </a:r>
+            <a:r>
+              <a:rPr lang="en-US" dirty="0"/>
+              <a:t> You probably already have it! Use your package manager as needed.</a:t>
+            </a:r>
+          </a:p>
+          <a:p>
+            <a:pPr lvl="1"/>
+            <a:endParaRPr lang="en-US" sz="900" dirty="0"/>
+          </a:p>
+          <a:p>
+            <a:pPr lvl="1"/>
+            <a:r>
+              <a:rPr lang="en-US" b="1" u="sng" dirty="0"/>
+              <a:t>Windows</a:t>
+            </a:r>
+            <a:r>
+              <a:rPr lang="en-US" b="1" dirty="0"/>
+              <a:t>:</a:t>
+            </a:r>
+            <a:r>
+              <a:rPr lang="en-US" dirty="0"/>
+              <a:t> We wrote detailed instructions here, based on mingw-w64 and </a:t>
+            </a:r>
+            <a:r>
+              <a:rPr lang="en-US" dirty="0" err="1"/>
+              <a:t>msys</a:t>
+            </a:r>
+            <a:r>
+              <a:rPr lang="en-US" dirty="0"/>
+              <a:t>:</a:t>
+            </a:r>
+          </a:p>
+          <a:p>
+            <a:pPr marL="171450" lvl="1" indent="0">
+              <a:buNone/>
+            </a:pPr>
+            <a:r>
+              <a:rPr lang="en-US" dirty="0"/>
+              <a:t>	</a:t>
+            </a:r>
+            <a:r>
+              <a:rPr lang="en-US" dirty="0">
+                <a:hlinkClick r:id="rId2"/>
+              </a:rPr>
+              <a:t>http://www.mathcancer.org/blog/setting-up-a-64-bit-gcc-environment-on-windows/</a:t>
+            </a:r>
+            <a:r>
+              <a:rPr lang="en-US" dirty="0"/>
+              <a:t> </a:t>
+            </a:r>
+          </a:p>
+          <a:p>
+            <a:pPr lvl="1"/>
+            <a:endParaRPr lang="en-US" sz="900" dirty="0"/>
+          </a:p>
+          <a:p>
+            <a:pPr lvl="1"/>
+            <a:r>
+              <a:rPr lang="en-US" b="1" u="sng" dirty="0"/>
+              <a:t>OSX</a:t>
+            </a:r>
+            <a:r>
+              <a:rPr lang="en-US" b="1" dirty="0"/>
+              <a:t>:</a:t>
+            </a:r>
+            <a:r>
+              <a:rPr lang="en-US" dirty="0"/>
+              <a:t> We wrote a tutorial using Homebrew:</a:t>
+            </a:r>
+          </a:p>
+          <a:p>
+            <a:pPr lvl="2"/>
+            <a:r>
+              <a:rPr lang="en-US" i="1" u="sng" dirty="0"/>
+              <a:t>Note</a:t>
+            </a:r>
+            <a:r>
+              <a:rPr lang="en-US" i="1" dirty="0"/>
+              <a:t>:</a:t>
+            </a:r>
+            <a:r>
+              <a:rPr lang="en-US" dirty="0"/>
+              <a:t> OSX has "</a:t>
+            </a:r>
+            <a:r>
+              <a:rPr lang="en-US" dirty="0" err="1"/>
+              <a:t>gcc</a:t>
+            </a:r>
+            <a:r>
+              <a:rPr lang="en-US" dirty="0"/>
+              <a:t>" which is actually </a:t>
+            </a:r>
+            <a:r>
+              <a:rPr lang="en-US" dirty="0" err="1"/>
+              <a:t>llvm</a:t>
+            </a:r>
+            <a:r>
+              <a:rPr lang="en-US" dirty="0"/>
+              <a:t>/clang without OpenMP support</a:t>
+            </a:r>
+          </a:p>
+          <a:p>
+            <a:pPr lvl="2"/>
+            <a:r>
+              <a:rPr lang="en-US" i="1" u="sng" dirty="0"/>
+              <a:t>Note</a:t>
+            </a:r>
+            <a:r>
+              <a:rPr lang="en-US" i="1" dirty="0"/>
+              <a:t>:</a:t>
+            </a:r>
+            <a:r>
+              <a:rPr lang="en-US" dirty="0"/>
+              <a:t> OSX users must set an environment variable. So</a:t>
+            </a:r>
+            <a:r>
+              <a:rPr lang="en-US" i="1" dirty="0"/>
+              <a:t> please do </a:t>
+            </a:r>
+            <a:r>
+              <a:rPr lang="en-US" dirty="0"/>
+              <a:t>use the tutorial</a:t>
+            </a:r>
+          </a:p>
+          <a:p>
+            <a:pPr marL="171450" lvl="1" indent="0">
+              <a:buNone/>
+            </a:pPr>
+            <a:r>
+              <a:rPr lang="en-US" dirty="0"/>
+              <a:t>	</a:t>
+            </a:r>
+            <a:r>
+              <a:rPr lang="en-US" dirty="0">
+                <a:hlinkClick r:id="rId3"/>
+              </a:rPr>
+              <a:t>http://www.mathcancer.org/blog/setting-up-gcc-openmp-on-osx-homebrew-edition/</a:t>
+            </a:r>
+            <a:r>
+              <a:rPr lang="en-US" dirty="0"/>
+              <a:t> </a:t>
+            </a:r>
+          </a:p>
+        </p:txBody>
+      </p:sp>
+    </p:spTree>
+    <p:extLst>
+      <p:ext uri="{BB962C8B-B14F-4D97-AF65-F5344CB8AC3E}">
+        <p14:creationId xmlns:p14="http://schemas.microsoft.com/office/powerpoint/2010/main" val="1093086352"/>
+      </p:ext>
+    </p:extLst>
+  </p:cSld>
+  <p:clrMapOvr>
+    <a:masterClrMapping/>
+  </p:clrMapOvr>
+</p:sld>
+</file>
+
+<file path=ppt/slides/slide6.xml><?xml version="1.0" encoding="utf-8"?>
+<p:sld xmlns:a="http://schemas.openxmlformats.org/drawingml/2006/main" xmlns:r="http://schemas.openxmlformats.org/officeDocument/2006/relationships" xmlns:p="http://schemas.openxmlformats.org/presentationml/2006/main">
+  <p:cSld>
+    <p:spTree>
+      <p:nvGrpSpPr>
+        <p:cNvPr id="1" name=""/>
+        <p:cNvGrpSpPr/>
+        <p:nvPr/>
+      </p:nvGrpSpPr>
+      <p:grpSpPr>
+        <a:xfrm>
+          <a:off x="0" y="0"/>
+          <a:ext cx="0" cy="0"/>
+          <a:chOff x="0" y="0"/>
+          <a:chExt cx="0" cy="0"/>
+        </a:xfrm>
+      </p:grpSpPr>
+      <p:sp>
+        <p:nvSpPr>
+          <p:cNvPr id="2" name="Title 1">
+            <a:extLst>
+              <a:ext uri="{FF2B5EF4-FFF2-40B4-BE49-F238E27FC236}">
+                <a16:creationId xmlns:a16="http://schemas.microsoft.com/office/drawing/2014/main" id="{02E934C3-2C9D-4D16-A50C-F324838A6D8A}"/>
+              </a:ext>
+            </a:extLst>
+          </p:cNvPr>
+          <p:cNvSpPr>
+            <a:spLocks noGrp="1"/>
+          </p:cNvSpPr>
+          <p:nvPr>
+            <p:ph type="title"/>
+          </p:nvPr>
+        </p:nvSpPr>
+        <p:spPr/>
+        <p:txBody>
+          <a:bodyPr/>
+          <a:lstStyle/>
+          <a:p>
+            <a:r>
+              <a:rPr lang="en-US" dirty="0" err="1"/>
+              <a:t>nanoHUB</a:t>
+            </a:r>
+            <a:r>
+              <a:rPr lang="en-US" dirty="0"/>
+              <a:t> Account</a:t>
+            </a:r>
+          </a:p>
+        </p:txBody>
+      </p:sp>
+      <p:sp>
+        <p:nvSpPr>
+          <p:cNvPr id="3" name="Content Placeholder 2">
+            <a:extLst>
+              <a:ext uri="{FF2B5EF4-FFF2-40B4-BE49-F238E27FC236}">
+                <a16:creationId xmlns:a16="http://schemas.microsoft.com/office/drawing/2014/main" id="{8EA896FF-4275-4A0D-907C-2930EBAB3952}"/>
+              </a:ext>
+            </a:extLst>
+          </p:cNvPr>
+          <p:cNvSpPr>
+            <a:spLocks noGrp="1"/>
+          </p:cNvSpPr>
+          <p:nvPr>
+            <p:ph idx="1"/>
+          </p:nvPr>
+        </p:nvSpPr>
+        <p:spPr/>
+        <p:txBody>
+          <a:bodyPr>
+            <a:normAutofit/>
+          </a:bodyPr>
+          <a:lstStyle/>
+          <a:p>
+            <a:r>
+              <a:rPr lang="en-US" dirty="0"/>
+              <a:t>These tutorials use cloud-hosted PhysiCell models on nanoHUB.org. </a:t>
+            </a:r>
+          </a:p>
+          <a:p>
+            <a:r>
+              <a:rPr lang="en-US" dirty="0" err="1"/>
+              <a:t>nanoHUB</a:t>
+            </a:r>
+            <a:r>
+              <a:rPr lang="en-US" dirty="0"/>
+              <a:t> is free, but it requires a one-time registration.</a:t>
+            </a:r>
+          </a:p>
+          <a:p>
+            <a:r>
+              <a:rPr lang="en-US" b="1" u="sng" dirty="0"/>
+              <a:t>Steps</a:t>
+            </a:r>
+            <a:r>
+              <a:rPr lang="en-US" b="1" dirty="0"/>
+              <a:t>:</a:t>
+            </a:r>
+          </a:p>
+          <a:p>
+            <a:pPr marL="630237" lvl="1" indent="-457200">
+              <a:buFont typeface="+mj-lt"/>
+              <a:buAutoNum type="arabicPeriod"/>
+            </a:pPr>
+            <a:r>
+              <a:rPr lang="en-US" dirty="0"/>
+              <a:t>Visit </a:t>
+            </a:r>
+            <a:r>
+              <a:rPr lang="en-US" dirty="0">
+                <a:hlinkClick r:id="rId2"/>
+              </a:rPr>
+              <a:t>https://nanohub.org/register</a:t>
+            </a:r>
+            <a:r>
+              <a:rPr lang="en-US" dirty="0"/>
+              <a:t> </a:t>
+            </a:r>
+          </a:p>
+          <a:p>
+            <a:pPr marL="630237" lvl="1" indent="-457200">
+              <a:buFont typeface="+mj-lt"/>
+              <a:buAutoNum type="arabicPeriod"/>
+            </a:pPr>
+            <a:r>
+              <a:rPr lang="en-US" dirty="0"/>
+              <a:t>If you have a Google account,  </a:t>
+            </a:r>
+          </a:p>
+          <a:p>
+            <a:endParaRPr lang="en-US" dirty="0"/>
+          </a:p>
+          <a:p>
+            <a:r>
+              <a:rPr lang="en-US" dirty="0"/>
+              <a:t>For more details, see: </a:t>
+            </a:r>
+          </a:p>
+        </p:txBody>
+      </p:sp>
+      <p:pic>
+        <p:nvPicPr>
+          <p:cNvPr id="4" name="Picture 3">
+            <a:extLst>
+              <a:ext uri="{FF2B5EF4-FFF2-40B4-BE49-F238E27FC236}">
+                <a16:creationId xmlns:a16="http://schemas.microsoft.com/office/drawing/2014/main" id="{AFCD59EC-B905-49F8-9F40-ED0813F93CDA}"/>
+              </a:ext>
+            </a:extLst>
+          </p:cNvPr>
+          <p:cNvPicPr>
+            <a:picLocks noChangeAspect="1"/>
+          </p:cNvPicPr>
+          <p:nvPr/>
+        </p:nvPicPr>
+        <p:blipFill>
+          <a:blip r:embed="rId3"/>
+          <a:stretch>
+            <a:fillRect/>
+          </a:stretch>
+        </p:blipFill>
+        <p:spPr>
+          <a:xfrm>
+            <a:off x="1663126" y="4499079"/>
+            <a:ext cx="8460657" cy="5143500"/>
+          </a:xfrm>
+          <a:prstGeom prst="rect">
+            <a:avLst/>
+          </a:prstGeom>
+        </p:spPr>
+      </p:pic>
+    </p:spTree>
+    <p:extLst>
+      <p:ext uri="{BB962C8B-B14F-4D97-AF65-F5344CB8AC3E}">
+        <p14:creationId xmlns:p14="http://schemas.microsoft.com/office/powerpoint/2010/main" val="3172299774"/>
+      </p:ext>
+    </p:extLst>
+  </p:cSld>
+  <p:clrMapOvr>
+    <a:masterClrMapping/>
+  </p:clrMapOvr>
+</p:sld>
+</file>
+
+<file path=ppt/slides/slide7.xml><?xml version="1.0" encoding="utf-8"?>
+<p:sld xmlns:a="http://schemas.openxmlformats.org/drawingml/2006/main" xmlns:r="http://schemas.openxmlformats.org/officeDocument/2006/relationships" xmlns:p="http://schemas.openxmlformats.org/presentationml/2006/main">
+  <p:cSld>
+    <p:spTree>
+      <p:nvGrpSpPr>
+        <p:cNvPr id="1" name=""/>
+        <p:cNvGrpSpPr/>
+        <p:nvPr/>
+      </p:nvGrpSpPr>
+      <p:grpSpPr>
+        <a:xfrm>
+          <a:off x="0" y="0"/>
+          <a:ext cx="0" cy="0"/>
+          <a:chOff x="0" y="0"/>
+          <a:chExt cx="0" cy="0"/>
+        </a:xfrm>
+      </p:grpSpPr>
+      <p:sp>
+        <p:nvSpPr>
+          <p:cNvPr id="2" name="Title 1">
+            <a:extLst>
+              <a:ext uri="{FF2B5EF4-FFF2-40B4-BE49-F238E27FC236}">
+                <a16:creationId xmlns:a16="http://schemas.microsoft.com/office/drawing/2014/main" id="{02E934C3-2C9D-4D16-A50C-F324838A6D8A}"/>
+              </a:ext>
+            </a:extLst>
+          </p:cNvPr>
+          <p:cNvSpPr>
+            <a:spLocks noGrp="1"/>
+          </p:cNvSpPr>
+          <p:nvPr>
+            <p:ph type="title"/>
+          </p:nvPr>
+        </p:nvSpPr>
+        <p:spPr/>
+        <p:txBody>
+          <a:bodyPr/>
+          <a:lstStyle/>
+          <a:p>
+            <a:r>
+              <a:rPr lang="en-US" dirty="0" err="1"/>
+              <a:t>nanoHUB</a:t>
+            </a:r>
+            <a:r>
+              <a:rPr lang="en-US" dirty="0"/>
+              <a:t> Account</a:t>
+            </a:r>
+          </a:p>
+        </p:txBody>
+      </p:sp>
+      <p:sp>
+        <p:nvSpPr>
+          <p:cNvPr id="3" name="Content Placeholder 2">
+            <a:extLst>
+              <a:ext uri="{FF2B5EF4-FFF2-40B4-BE49-F238E27FC236}">
+                <a16:creationId xmlns:a16="http://schemas.microsoft.com/office/drawing/2014/main" id="{8EA896FF-4275-4A0D-907C-2930EBAB3952}"/>
+              </a:ext>
+            </a:extLst>
+          </p:cNvPr>
+          <p:cNvSpPr>
+            <a:spLocks noGrp="1"/>
+          </p:cNvSpPr>
+          <p:nvPr>
+            <p:ph idx="1"/>
+          </p:nvPr>
+        </p:nvSpPr>
+        <p:spPr/>
+        <p:txBody>
+          <a:bodyPr>
+            <a:normAutofit fontScale="92500" lnSpcReduction="10000"/>
+          </a:bodyPr>
+          <a:lstStyle/>
+          <a:p>
+            <a:r>
+              <a:rPr lang="en-US" dirty="0"/>
+              <a:t>These tutorials extensively use cloud-hosted PhysiCell models, hosted on nanoHUB.org. </a:t>
+            </a:r>
+          </a:p>
+          <a:p>
+            <a:endParaRPr lang="en-US" dirty="0"/>
+          </a:p>
+          <a:p>
+            <a:r>
+              <a:rPr lang="en-US" dirty="0" err="1"/>
+              <a:t>nanoHUB</a:t>
+            </a:r>
+            <a:r>
+              <a:rPr lang="en-US" dirty="0"/>
+              <a:t> is free, but it requires a one-time registration to help them track usage.</a:t>
+            </a:r>
+          </a:p>
+          <a:p>
+            <a:endParaRPr lang="en-US" dirty="0"/>
+          </a:p>
+          <a:p>
+            <a:r>
+              <a:rPr lang="en-US" b="1" u="sng" dirty="0"/>
+              <a:t>Steps</a:t>
+            </a:r>
+            <a:r>
+              <a:rPr lang="en-US" b="1" dirty="0"/>
+              <a:t>:</a:t>
+            </a:r>
+          </a:p>
+          <a:p>
+            <a:pPr marL="630237" lvl="1" indent="-457200">
+              <a:buFont typeface="+mj-lt"/>
+              <a:buAutoNum type="arabicPeriod"/>
+            </a:pPr>
+            <a:r>
+              <a:rPr lang="en-US" dirty="0"/>
+              <a:t>Visit </a:t>
+            </a:r>
+            <a:r>
+              <a:rPr lang="en-US" dirty="0">
+                <a:hlinkClick r:id="rId2"/>
+              </a:rPr>
+              <a:t>https://nanohub.org/register</a:t>
+            </a:r>
+            <a:r>
+              <a:rPr lang="en-US" dirty="0"/>
+              <a:t> </a:t>
+            </a:r>
+          </a:p>
+          <a:p>
+            <a:pPr marL="630237" lvl="1" indent="-457200">
+              <a:buFont typeface="+mj-lt"/>
+              <a:buAutoNum type="arabicPeriod"/>
+            </a:pPr>
+            <a:r>
+              <a:rPr lang="en-US" dirty="0" err="1"/>
+              <a:t>dfdf</a:t>
+            </a:r>
+            <a:r>
+              <a:rPr lang="en-US" dirty="0"/>
+              <a:t> </a:t>
+            </a:r>
+          </a:p>
+          <a:p>
+            <a:endParaRPr lang="en-US" dirty="0"/>
+          </a:p>
+          <a:p>
+            <a:r>
+              <a:rPr lang="en-US" dirty="0"/>
+              <a:t>For more details, see: </a:t>
+            </a:r>
+          </a:p>
+        </p:txBody>
+      </p:sp>
+    </p:spTree>
+    <p:extLst>
+      <p:ext uri="{BB962C8B-B14F-4D97-AF65-F5344CB8AC3E}">
+        <p14:creationId xmlns:p14="http://schemas.microsoft.com/office/powerpoint/2010/main" val="1710616996"/>
+      </p:ext>
+    </p:extLst>
+  </p:cSld>
+  <p:clrMapOvr>
+    <a:masterClrMapping/>
+  </p:clrMapOvr>
+</p:sld>
+</file>
+
+<file path=ppt/slides/slide8.xml><?xml version="1.0" encoding="utf-8"?>
+<p:sld xmlns:a="http://schemas.openxmlformats.org/drawingml/2006/main" xmlns:r="http://schemas.openxmlformats.org/officeDocument/2006/relationships" xmlns:p="http://schemas.openxmlformats.org/presentationml/2006/main">
+  <p:cSld>
+    <p:spTree>
+      <p:nvGrpSpPr>
+        <p:cNvPr id="1" name=""/>
+        <p:cNvGrpSpPr/>
+        <p:nvPr/>
+      </p:nvGrpSpPr>
+      <p:grpSpPr>
+        <a:xfrm>
+          <a:off x="0" y="0"/>
+          <a:ext cx="0" cy="0"/>
+          <a:chOff x="0" y="0"/>
+          <a:chExt cx="0" cy="0"/>
+        </a:xfrm>
+      </p:grpSpPr>
+      <p:sp>
+        <p:nvSpPr>
+          <p:cNvPr id="2" name="Title 1">
+            <a:extLst>
+              <a:ext uri="{FF2B5EF4-FFF2-40B4-BE49-F238E27FC236}">
+                <a16:creationId xmlns:a16="http://schemas.microsoft.com/office/drawing/2014/main" id="{02E934C3-2C9D-4D16-A50C-F324838A6D8A}"/>
+              </a:ext>
+            </a:extLst>
+          </p:cNvPr>
+          <p:cNvSpPr>
+            <a:spLocks noGrp="1"/>
+          </p:cNvSpPr>
+          <p:nvPr>
+            <p:ph type="title"/>
+          </p:nvPr>
+        </p:nvSpPr>
+        <p:spPr/>
+        <p:txBody>
+          <a:bodyPr/>
+          <a:lstStyle/>
+          <a:p>
+            <a:r>
+              <a:rPr lang="en-US" dirty="0" err="1"/>
+              <a:t>nanoHUB</a:t>
+            </a:r>
+            <a:r>
+              <a:rPr lang="en-US" dirty="0"/>
+              <a:t> Account</a:t>
+            </a:r>
+          </a:p>
+        </p:txBody>
+      </p:sp>
+      <p:sp>
+        <p:nvSpPr>
+          <p:cNvPr id="3" name="Content Placeholder 2">
+            <a:extLst>
+              <a:ext uri="{FF2B5EF4-FFF2-40B4-BE49-F238E27FC236}">
+                <a16:creationId xmlns:a16="http://schemas.microsoft.com/office/drawing/2014/main" id="{8EA896FF-4275-4A0D-907C-2930EBAB3952}"/>
+              </a:ext>
+            </a:extLst>
+          </p:cNvPr>
+          <p:cNvSpPr>
+            <a:spLocks noGrp="1"/>
+          </p:cNvSpPr>
+          <p:nvPr>
+            <p:ph idx="1"/>
+          </p:nvPr>
+        </p:nvSpPr>
+        <p:spPr/>
+        <p:txBody>
+          <a:bodyPr>
+            <a:normAutofit fontScale="77500" lnSpcReduction="20000"/>
+          </a:bodyPr>
+          <a:lstStyle/>
+          <a:p>
+            <a:r>
+              <a:rPr lang="en-US" dirty="0"/>
+              <a:t>These tutorials extensively use cloud-hosted PhysiCell models, hosted on nanoHUB.org. </a:t>
+            </a:r>
+          </a:p>
+          <a:p>
+            <a:endParaRPr lang="en-US" dirty="0"/>
+          </a:p>
+          <a:p>
+            <a:r>
+              <a:rPr lang="en-US" dirty="0" err="1"/>
+              <a:t>nanoHUB</a:t>
+            </a:r>
+            <a:r>
+              <a:rPr lang="en-US" dirty="0"/>
+              <a:t> is free, but it requires a one-time registration to help them track usage.</a:t>
+            </a:r>
+          </a:p>
+          <a:p>
+            <a:endParaRPr lang="en-US" dirty="0"/>
+          </a:p>
+          <a:p>
+            <a:r>
+              <a:rPr lang="en-US" b="1" u="sng" dirty="0"/>
+              <a:t>Steps</a:t>
+            </a:r>
+            <a:r>
+              <a:rPr lang="en-US" b="1" dirty="0"/>
+              <a:t>:</a:t>
+            </a:r>
+          </a:p>
+          <a:p>
+            <a:pPr marL="630237" lvl="1" indent="-457200">
+              <a:buFont typeface="+mj-lt"/>
+              <a:buAutoNum type="arabicPeriod"/>
+            </a:pPr>
+            <a:r>
+              <a:rPr lang="en-US" dirty="0"/>
+              <a:t>Visit </a:t>
+            </a:r>
+            <a:r>
+              <a:rPr lang="en-US" dirty="0">
+                <a:hlinkClick r:id="rId2"/>
+              </a:rPr>
+              <a:t>https://nanohub.org/register</a:t>
+            </a:r>
+            <a:r>
+              <a:rPr lang="en-US" dirty="0"/>
+              <a:t> </a:t>
+            </a:r>
+          </a:p>
+          <a:p>
+            <a:pPr marL="630237" lvl="1" indent="-457200">
+              <a:buFont typeface="+mj-lt"/>
+              <a:buAutoNum type="arabicPeriod"/>
+            </a:pPr>
+            <a:r>
+              <a:rPr lang="en-US" dirty="0"/>
+              <a:t>Sign in with Google</a:t>
+            </a:r>
+          </a:p>
+          <a:p>
+            <a:pPr marL="630237" lvl="1" indent="-457200">
+              <a:buFont typeface="+mj-lt"/>
+              <a:buAutoNum type="arabicPeriod"/>
+            </a:pPr>
+            <a:r>
+              <a:rPr lang="en-US" dirty="0"/>
+              <a:t>Choose an account </a:t>
+            </a:r>
+          </a:p>
+          <a:p>
+            <a:pPr marL="630237" lvl="1" indent="-457200">
+              <a:buFont typeface="+mj-lt"/>
+              <a:buAutoNum type="arabicPeriod"/>
+            </a:pPr>
+            <a:r>
+              <a:rPr lang="en-US" dirty="0"/>
+              <a:t>Click "no" (so it doesn't try to associate with some other </a:t>
+            </a:r>
+            <a:r>
+              <a:rPr lang="en-US" dirty="0" err="1"/>
+              <a:t>nanoHIB</a:t>
+            </a:r>
+            <a:r>
+              <a:rPr lang="en-US" dirty="0"/>
+              <a:t> account)</a:t>
+            </a:r>
+          </a:p>
+          <a:p>
+            <a:pPr marL="630237" lvl="1" indent="-457200">
+              <a:buFont typeface="+mj-lt"/>
+              <a:buAutoNum type="arabicPeriod"/>
+            </a:pPr>
+            <a:r>
+              <a:rPr lang="en-US" dirty="0"/>
+              <a:t>Finish filling in details, and you're done! </a:t>
+            </a:r>
+          </a:p>
+          <a:p>
+            <a:pPr marL="630237" lvl="1" indent="-457200">
+              <a:buFont typeface="+mj-lt"/>
+              <a:buAutoNum type="arabicPeriod"/>
+            </a:pPr>
+            <a:r>
+              <a:rPr lang="en-US" dirty="0"/>
+              <a:t>Use your google account to sign in in </a:t>
+            </a:r>
+            <a:r>
+              <a:rPr lang="en-US"/>
+              <a:t>the future.  </a:t>
+            </a:r>
+            <a:endParaRPr lang="en-US" dirty="0"/>
+          </a:p>
+          <a:p>
+            <a:endParaRPr lang="en-US" dirty="0"/>
+          </a:p>
+          <a:p>
+            <a:r>
+              <a:rPr lang="en-US" dirty="0"/>
+              <a:t>For more details, see: </a:t>
+            </a:r>
+          </a:p>
+        </p:txBody>
+      </p:sp>
+      <p:pic>
+        <p:nvPicPr>
+          <p:cNvPr id="4" name="Picture 3">
+            <a:extLst>
+              <a:ext uri="{FF2B5EF4-FFF2-40B4-BE49-F238E27FC236}">
+                <a16:creationId xmlns:a16="http://schemas.microsoft.com/office/drawing/2014/main" id="{AFCD59EC-B905-49F8-9F40-ED0813F93CDA}"/>
+              </a:ext>
+            </a:extLst>
+          </p:cNvPr>
+          <p:cNvPicPr>
+            <a:picLocks noChangeAspect="1"/>
+          </p:cNvPicPr>
+          <p:nvPr/>
+        </p:nvPicPr>
+        <p:blipFill>
+          <a:blip r:embed="rId3"/>
+          <a:stretch>
+            <a:fillRect/>
+          </a:stretch>
+        </p:blipFill>
+        <p:spPr>
+          <a:xfrm>
+            <a:off x="-206477" y="369942"/>
+            <a:ext cx="2322076" cy="1411663"/>
+          </a:xfrm>
+          <a:prstGeom prst="rect">
+            <a:avLst/>
+          </a:prstGeom>
+        </p:spPr>
+      </p:pic>
+      <p:pic>
+        <p:nvPicPr>
+          <p:cNvPr id="7" name="Picture 6">
+            <a:extLst>
+              <a:ext uri="{FF2B5EF4-FFF2-40B4-BE49-F238E27FC236}">
+                <a16:creationId xmlns:a16="http://schemas.microsoft.com/office/drawing/2014/main" id="{7E4FDEFF-3962-4055-9373-FF88A6EEE0CF}"/>
+              </a:ext>
+            </a:extLst>
+          </p:cNvPr>
+          <p:cNvPicPr>
+            <a:picLocks noChangeAspect="1"/>
+          </p:cNvPicPr>
+          <p:nvPr/>
+        </p:nvPicPr>
+        <p:blipFill>
+          <a:blip r:embed="rId4"/>
+          <a:stretch>
+            <a:fillRect/>
+          </a:stretch>
+        </p:blipFill>
+        <p:spPr>
+          <a:xfrm>
+            <a:off x="2333836" y="431191"/>
+            <a:ext cx="1881687" cy="1143937"/>
+          </a:xfrm>
+          <a:prstGeom prst="rect">
+            <a:avLst/>
+          </a:prstGeom>
+        </p:spPr>
+      </p:pic>
+      <p:pic>
+        <p:nvPicPr>
+          <p:cNvPr id="8" name="Picture 7">
+            <a:extLst>
+              <a:ext uri="{FF2B5EF4-FFF2-40B4-BE49-F238E27FC236}">
+                <a16:creationId xmlns:a16="http://schemas.microsoft.com/office/drawing/2014/main" id="{8B69D4DE-FE78-4F4A-B0DF-04C66D2CDF93}"/>
+              </a:ext>
+            </a:extLst>
+          </p:cNvPr>
+          <p:cNvPicPr>
+            <a:picLocks noChangeAspect="1"/>
+          </p:cNvPicPr>
+          <p:nvPr/>
+        </p:nvPicPr>
+        <p:blipFill>
+          <a:blip r:embed="rId5"/>
+          <a:stretch>
+            <a:fillRect/>
+          </a:stretch>
+        </p:blipFill>
+        <p:spPr>
+          <a:xfrm>
+            <a:off x="4572000" y="369942"/>
+            <a:ext cx="2774125" cy="1686478"/>
+          </a:xfrm>
+          <a:prstGeom prst="rect">
+            <a:avLst/>
+          </a:prstGeom>
+        </p:spPr>
+      </p:pic>
+    </p:spTree>
+    <p:extLst>
+      <p:ext uri="{BB962C8B-B14F-4D97-AF65-F5344CB8AC3E}">
+        <p14:creationId xmlns:p14="http://schemas.microsoft.com/office/powerpoint/2010/main" val="1724628786"/>
       </p:ext>
     </p:extLst>
   </p:cSld>

--- a/00-What-you-need.pptx
+++ b/00-What-you-need.pptx
@@ -5,7 +5,7 @@
     <p:sldMasterId id="2147483660" r:id="rId1"/>
   </p:sldMasterIdLst>
   <p:notesMasterIdLst>
-    <p:notesMasterId r:id="rId10"/>
+    <p:notesMasterId r:id="rId8"/>
   </p:notesMasterIdLst>
   <p:sldIdLst>
     <p:sldId id="257" r:id="rId2"/>
@@ -14,8 +14,6 @@
     <p:sldId id="260" r:id="rId5"/>
     <p:sldId id="261" r:id="rId6"/>
     <p:sldId id="262" r:id="rId7"/>
-    <p:sldId id="264" r:id="rId8"/>
-    <p:sldId id="263" r:id="rId9"/>
   </p:sldIdLst>
   <p:sldSz cx="9144000" cy="5143500" type="screen16x9"/>
   <p:notesSz cx="6858000" cy="9144000"/>
@@ -4757,7 +4755,7 @@
             <a:pPr lvl="1"/>
             <a:r>
               <a:rPr lang="en-US" dirty="0"/>
-              <a:t>Use this while debugging your local install, but slow</a:t>
+              <a:t>Use this while debugging your local install, but slow (and not frequently updated)</a:t>
             </a:r>
           </a:p>
           <a:p>
@@ -4767,7 +4765,7 @@
           <a:p>
             <a:r>
               <a:rPr lang="en-US" b="1" dirty="0"/>
-              <a:t>Cloud-hosted environment</a:t>
+              <a:t>Cloud-hosted environment (coming soon!)</a:t>
             </a:r>
           </a:p>
           <a:p>
@@ -5139,13 +5137,33 @@
         <p:spPr/>
         <p:txBody>
           <a:bodyPr>
-            <a:normAutofit fontScale="92500" lnSpcReduction="20000"/>
+            <a:normAutofit fontScale="62500" lnSpcReduction="20000"/>
           </a:bodyPr>
           <a:lstStyle/>
           <a:p>
+            <a:pPr>
+              <a:lnSpc>
+                <a:spcPct val="120000"/>
+              </a:lnSpc>
+              <a:spcBef>
+                <a:spcPts val="0"/>
+              </a:spcBef>
+              <a:spcAft>
+                <a:spcPts val="600"/>
+              </a:spcAft>
+            </a:pPr>
+            <a:r>
+              <a:rPr lang="en-US" dirty="0"/>
+              <a:t>If the local install gives you trouble, you can try a virtual appliance. This is a pre-configured virtual machine </a:t>
+            </a:r>
+          </a:p>
+          <a:p>
+            <a:endParaRPr lang="en-US" b="1" u="sng" dirty="0"/>
+          </a:p>
+          <a:p>
             <a:r>
               <a:rPr lang="en-US" b="1" u="sng" dirty="0"/>
-              <a:t>Minimal tools</a:t>
+              <a:t>Steps</a:t>
             </a:r>
             <a:r>
               <a:rPr lang="en-US" b="1" dirty="0"/>
@@ -5413,13 +5431,13 @@
             <a:spLocks noGrp="1"/>
           </p:cNvSpPr>
           <p:nvPr>
-            <p:ph idx="1"/>
+            <p:ph sz="half" idx="1"/>
           </p:nvPr>
         </p:nvSpPr>
         <p:spPr/>
         <p:txBody>
           <a:bodyPr>
-            <a:normAutofit/>
+            <a:normAutofit fontScale="85000" lnSpcReduction="10000"/>
           </a:bodyPr>
           <a:lstStyle/>
           <a:p>
@@ -5435,7 +5453,15 @@
             </a:r>
             <a:r>
               <a:rPr lang="en-US" dirty="0"/>
-              <a:t> is free, but it requires a one-time registration.</a:t>
+              <a:t> is </a:t>
+            </a:r>
+            <a:r>
+              <a:rPr lang="en-US" b="1" dirty="0"/>
+              <a:t>free</a:t>
+            </a:r>
+            <a:r>
+              <a:rPr lang="en-US" dirty="0"/>
+              <a:t>, but it requires a one-time registration.</a:t>
             </a:r>
           </a:p>
           <a:p>
@@ -5450,6 +5476,12 @@
           </a:p>
           <a:p>
             <a:pPr marL="630237" lvl="1" indent="-457200">
+              <a:spcBef>
+                <a:spcPts val="0"/>
+              </a:spcBef>
+              <a:spcAft>
+                <a:spcPts val="600"/>
+              </a:spcAft>
               <a:buFont typeface="+mj-lt"/>
               <a:buAutoNum type="arabicPeriod"/>
             </a:pPr>
@@ -5470,520 +5502,576 @@
           </a:p>
           <a:p>
             <a:pPr marL="630237" lvl="1" indent="-457200">
+              <a:spcBef>
+                <a:spcPts val="0"/>
+              </a:spcBef>
+              <a:spcAft>
+                <a:spcPts val="600"/>
+              </a:spcAft>
               <a:buFont typeface="+mj-lt"/>
               <a:buAutoNum type="arabicPeriod"/>
             </a:pPr>
             <a:r>
               <a:rPr lang="en-US" dirty="0"/>
-              <a:t>If you have a Google account,  </a:t>
+              <a:t>Choose "Sign in with Google"</a:t>
+            </a:r>
+          </a:p>
+          <a:p>
+            <a:pPr marL="630237" lvl="1" indent="-457200">
+              <a:spcBef>
+                <a:spcPts val="0"/>
+              </a:spcBef>
+              <a:spcAft>
+                <a:spcPts val="600"/>
+              </a:spcAft>
+              <a:buFont typeface="+mj-lt"/>
+              <a:buAutoNum type="arabicPeriod"/>
+            </a:pPr>
+            <a:r>
+              <a:rPr lang="en-US" dirty="0"/>
+              <a:t>Choose a Google account </a:t>
+            </a:r>
+          </a:p>
+          <a:p>
+            <a:pPr marL="630237" lvl="1" indent="-457200">
+              <a:spcBef>
+                <a:spcPts val="0"/>
+              </a:spcBef>
+              <a:spcAft>
+                <a:spcPts val="600"/>
+              </a:spcAft>
+              <a:buFont typeface="+mj-lt"/>
+              <a:buAutoNum type="arabicPeriod"/>
+            </a:pPr>
+            <a:r>
+              <a:rPr lang="en-US" dirty="0"/>
+              <a:t>Click "No" (so it doesn't try to associate with some other </a:t>
+            </a:r>
+            <a:r>
+              <a:rPr lang="en-US" dirty="0" err="1"/>
+              <a:t>nanoHIB</a:t>
+            </a:r>
+            <a:r>
+              <a:rPr lang="en-US" dirty="0"/>
+              <a:t> account)</a:t>
+            </a:r>
+          </a:p>
+          <a:p>
+            <a:pPr marL="630237" lvl="1" indent="-457200">
+              <a:spcBef>
+                <a:spcPts val="0"/>
+              </a:spcBef>
+              <a:spcAft>
+                <a:spcPts val="600"/>
+              </a:spcAft>
+              <a:buFont typeface="+mj-lt"/>
+              <a:buAutoNum type="arabicPeriod"/>
+            </a:pPr>
+            <a:r>
+              <a:rPr lang="en-US" dirty="0"/>
+              <a:t>Finish filling in details, and you're done! </a:t>
+            </a:r>
+          </a:p>
+          <a:p>
+            <a:pPr marL="630237" lvl="1" indent="-457200">
+              <a:spcBef>
+                <a:spcPts val="0"/>
+              </a:spcBef>
+              <a:spcAft>
+                <a:spcPts val="600"/>
+              </a:spcAft>
+              <a:buFont typeface="+mj-lt"/>
+              <a:buAutoNum type="arabicPeriod"/>
+            </a:pPr>
+            <a:r>
+              <a:rPr lang="en-US" dirty="0"/>
+              <a:t>Use your google account to sign in in the future.  </a:t>
             </a:r>
           </a:p>
           <a:p>
             <a:endParaRPr lang="en-US" dirty="0"/>
-          </a:p>
-          <a:p>
-            <a:r>
-              <a:rPr lang="en-US" dirty="0"/>
-              <a:t>For more details, see: </a:t>
-            </a:r>
           </a:p>
         </p:txBody>
       </p:sp>
-      <p:pic>
-        <p:nvPicPr>
-          <p:cNvPr id="4" name="Picture 3">
+      <p:grpSp>
+        <p:nvGrpSpPr>
+          <p:cNvPr id="13" name="Group 12">
             <a:extLst>
               <a:ext uri="{FF2B5EF4-FFF2-40B4-BE49-F238E27FC236}">
-                <a16:creationId xmlns:a16="http://schemas.microsoft.com/office/drawing/2014/main" id="{AFCD59EC-B905-49F8-9F40-ED0813F93CDA}"/>
+                <a16:creationId xmlns:a16="http://schemas.microsoft.com/office/drawing/2014/main" id="{C9086E5C-0270-45C9-ACF6-AD0559D215EF}"/>
               </a:ext>
             </a:extLst>
           </p:cNvPr>
-          <p:cNvPicPr>
-            <a:picLocks noChangeAspect="1"/>
-          </p:cNvPicPr>
+          <p:cNvGrpSpPr/>
           <p:nvPr/>
-        </p:nvPicPr>
-        <p:blipFill>
-          <a:blip r:embed="rId3"/>
-          <a:stretch>
-            <a:fillRect/>
-          </a:stretch>
-        </p:blipFill>
-        <p:spPr>
+        </p:nvGrpSpPr>
+        <p:grpSpPr>
           <a:xfrm>
-            <a:off x="1663126" y="4499079"/>
-            <a:ext cx="8460657" cy="5143500"/>
+            <a:off x="5159813" y="726413"/>
+            <a:ext cx="3307995" cy="1828801"/>
+            <a:chOff x="4994868" y="866226"/>
+            <a:chExt cx="3307995" cy="1828801"/>
           </a:xfrm>
-          <a:prstGeom prst="rect">
-            <a:avLst/>
-          </a:prstGeom>
-        </p:spPr>
-      </p:pic>
+        </p:grpSpPr>
+        <p:sp>
+          <p:nvSpPr>
+            <p:cNvPr id="10" name="TextBox 9">
+              <a:extLst>
+                <a:ext uri="{FF2B5EF4-FFF2-40B4-BE49-F238E27FC236}">
+                  <a16:creationId xmlns:a16="http://schemas.microsoft.com/office/drawing/2014/main" id="{7C4F50DD-9F38-4541-B918-3232622F6EC6}"/>
+                </a:ext>
+              </a:extLst>
+            </p:cNvPr>
+            <p:cNvSpPr txBox="1"/>
+            <p:nvPr/>
+          </p:nvSpPr>
+          <p:spPr>
+            <a:xfrm>
+              <a:off x="4994868" y="866226"/>
+              <a:ext cx="299762" cy="430887"/>
+            </a:xfrm>
+            <a:prstGeom prst="rect">
+              <a:avLst/>
+            </a:prstGeom>
+            <a:noFill/>
+          </p:spPr>
+          <p:txBody>
+            <a:bodyPr wrap="none" lIns="0" tIns="0" rIns="0" bIns="0" rtlCol="0">
+              <a:spAutoFit/>
+            </a:bodyPr>
+            <a:lstStyle/>
+            <a:p>
+              <a:r>
+                <a:rPr lang="en-US" sz="2800" b="1" dirty="0"/>
+                <a:t>2 </a:t>
+              </a:r>
+            </a:p>
+          </p:txBody>
+        </p:sp>
+        <p:grpSp>
+          <p:nvGrpSpPr>
+            <p:cNvPr id="12" name="Group 11">
+              <a:extLst>
+                <a:ext uri="{FF2B5EF4-FFF2-40B4-BE49-F238E27FC236}">
+                  <a16:creationId xmlns:a16="http://schemas.microsoft.com/office/drawing/2014/main" id="{A50A5B62-8DF2-4261-A583-DE8203B23ADF}"/>
+                </a:ext>
+              </a:extLst>
+            </p:cNvPr>
+            <p:cNvGrpSpPr/>
+            <p:nvPr/>
+          </p:nvGrpSpPr>
+          <p:grpSpPr>
+            <a:xfrm>
+              <a:off x="5294630" y="866227"/>
+              <a:ext cx="3008233" cy="1828800"/>
+              <a:chOff x="5294630" y="866227"/>
+              <a:chExt cx="3008233" cy="1828800"/>
+            </a:xfrm>
+          </p:grpSpPr>
+          <p:pic>
+            <p:nvPicPr>
+              <p:cNvPr id="5" name="Picture 4">
+                <a:extLst>
+                  <a:ext uri="{FF2B5EF4-FFF2-40B4-BE49-F238E27FC236}">
+                    <a16:creationId xmlns:a16="http://schemas.microsoft.com/office/drawing/2014/main" id="{DD06138C-D44D-4ABC-BBDD-3ACC5B7B7086}"/>
+                  </a:ext>
+                </a:extLst>
+              </p:cNvPr>
+              <p:cNvPicPr>
+                <a:picLocks noChangeAspect="1"/>
+              </p:cNvPicPr>
+              <p:nvPr/>
+            </p:nvPicPr>
+            <p:blipFill>
+              <a:blip r:embed="rId3"/>
+              <a:stretch>
+                <a:fillRect/>
+              </a:stretch>
+            </p:blipFill>
+            <p:spPr>
+              <a:xfrm>
+                <a:off x="5294630" y="866227"/>
+                <a:ext cx="3008233" cy="1828800"/>
+              </a:xfrm>
+              <a:prstGeom prst="rect">
+                <a:avLst/>
+              </a:prstGeom>
+            </p:spPr>
+          </p:pic>
+          <p:sp>
+            <p:nvSpPr>
+              <p:cNvPr id="11" name="Rectangle: Rounded Corners 10">
+                <a:extLst>
+                  <a:ext uri="{FF2B5EF4-FFF2-40B4-BE49-F238E27FC236}">
+                    <a16:creationId xmlns:a16="http://schemas.microsoft.com/office/drawing/2014/main" id="{B90FC17B-8A82-4CBC-A328-60F70264A9B4}"/>
+                  </a:ext>
+                </a:extLst>
+              </p:cNvPr>
+              <p:cNvSpPr/>
+              <p:nvPr/>
+            </p:nvSpPr>
+            <p:spPr>
+              <a:xfrm>
+                <a:off x="5353050" y="2149475"/>
+                <a:ext cx="2193925" cy="257175"/>
+              </a:xfrm>
+              <a:prstGeom prst="roundRect">
+                <a:avLst/>
+              </a:prstGeom>
+              <a:noFill/>
+              <a:ln w="38100">
+                <a:solidFill>
+                  <a:srgbClr val="FF0000"/>
+                </a:solidFill>
+              </a:ln>
+            </p:spPr>
+            <p:style>
+              <a:lnRef idx="2">
+                <a:schemeClr val="accent1">
+                  <a:shade val="50000"/>
+                </a:schemeClr>
+              </a:lnRef>
+              <a:fillRef idx="1">
+                <a:schemeClr val="accent1"/>
+              </a:fillRef>
+              <a:effectRef idx="0">
+                <a:schemeClr val="accent1"/>
+              </a:effectRef>
+              <a:fontRef idx="minor">
+                <a:schemeClr val="lt1"/>
+              </a:fontRef>
+            </p:style>
+            <p:txBody>
+              <a:bodyPr rtlCol="0" anchor="ctr"/>
+              <a:lstStyle/>
+              <a:p>
+                <a:pPr algn="ctr"/>
+                <a:endParaRPr lang="en-US"/>
+              </a:p>
+            </p:txBody>
+          </p:sp>
+        </p:grpSp>
+      </p:grpSp>
+      <p:grpSp>
+        <p:nvGrpSpPr>
+          <p:cNvPr id="17" name="Group 16">
+            <a:extLst>
+              <a:ext uri="{FF2B5EF4-FFF2-40B4-BE49-F238E27FC236}">
+                <a16:creationId xmlns:a16="http://schemas.microsoft.com/office/drawing/2014/main" id="{28ED6CDA-25A2-4DBF-8DF9-A288C79F0BCB}"/>
+              </a:ext>
+            </a:extLst>
+          </p:cNvPr>
+          <p:cNvGrpSpPr/>
+          <p:nvPr/>
+        </p:nvGrpSpPr>
+        <p:grpSpPr>
+          <a:xfrm>
+            <a:off x="4952299" y="2839253"/>
+            <a:ext cx="1671362" cy="1371600"/>
+            <a:chOff x="4796440" y="2965450"/>
+            <a:chExt cx="1671362" cy="1371600"/>
+          </a:xfrm>
+        </p:grpSpPr>
+        <p:sp>
+          <p:nvSpPr>
+            <p:cNvPr id="8" name="TextBox 7">
+              <a:extLst>
+                <a:ext uri="{FF2B5EF4-FFF2-40B4-BE49-F238E27FC236}">
+                  <a16:creationId xmlns:a16="http://schemas.microsoft.com/office/drawing/2014/main" id="{C04AED0E-A7B7-4557-AD1F-A19DDD2352B7}"/>
+                </a:ext>
+              </a:extLst>
+            </p:cNvPr>
+            <p:cNvSpPr txBox="1"/>
+            <p:nvPr/>
+          </p:nvSpPr>
+          <p:spPr>
+            <a:xfrm>
+              <a:off x="4796440" y="2965450"/>
+              <a:ext cx="299762" cy="430887"/>
+            </a:xfrm>
+            <a:prstGeom prst="rect">
+              <a:avLst/>
+            </a:prstGeom>
+            <a:noFill/>
+          </p:spPr>
+          <p:txBody>
+            <a:bodyPr wrap="none" lIns="0" tIns="0" rIns="0" bIns="0" rtlCol="0">
+              <a:spAutoFit/>
+            </a:bodyPr>
+            <a:lstStyle/>
+            <a:p>
+              <a:r>
+                <a:rPr lang="en-US" sz="2800" b="1" dirty="0"/>
+                <a:t>3 </a:t>
+              </a:r>
+            </a:p>
+          </p:txBody>
+        </p:sp>
+        <p:grpSp>
+          <p:nvGrpSpPr>
+            <p:cNvPr id="16" name="Group 15">
+              <a:extLst>
+                <a:ext uri="{FF2B5EF4-FFF2-40B4-BE49-F238E27FC236}">
+                  <a16:creationId xmlns:a16="http://schemas.microsoft.com/office/drawing/2014/main" id="{175DC1FD-3933-4CD7-855C-CF0214EE8914}"/>
+                </a:ext>
+              </a:extLst>
+            </p:cNvPr>
+            <p:cNvGrpSpPr/>
+            <p:nvPr/>
+          </p:nvGrpSpPr>
+          <p:grpSpPr>
+            <a:xfrm>
+              <a:off x="5096202" y="2965450"/>
+              <a:ext cx="1371600" cy="1371600"/>
+              <a:chOff x="5096202" y="2965450"/>
+              <a:chExt cx="1371600" cy="1371600"/>
+            </a:xfrm>
+          </p:grpSpPr>
+          <p:pic>
+            <p:nvPicPr>
+              <p:cNvPr id="6" name="Picture 5">
+                <a:extLst>
+                  <a:ext uri="{FF2B5EF4-FFF2-40B4-BE49-F238E27FC236}">
+                    <a16:creationId xmlns:a16="http://schemas.microsoft.com/office/drawing/2014/main" id="{AED30853-4D46-4CAF-BBB7-B140B9E07128}"/>
+                  </a:ext>
+                </a:extLst>
+              </p:cNvPr>
+              <p:cNvPicPr>
+                <a:picLocks noChangeAspect="1"/>
+              </p:cNvPicPr>
+              <p:nvPr/>
+            </p:nvPicPr>
+            <p:blipFill rotWithShape="1">
+              <a:blip r:embed="rId4"/>
+              <a:srcRect l="17578" r="21630"/>
+              <a:stretch/>
+            </p:blipFill>
+            <p:spPr>
+              <a:xfrm>
+                <a:off x="5096202" y="2965450"/>
+                <a:ext cx="1371600" cy="1371600"/>
+              </a:xfrm>
+              <a:prstGeom prst="rect">
+                <a:avLst/>
+              </a:prstGeom>
+            </p:spPr>
+          </p:pic>
+          <p:sp>
+            <p:nvSpPr>
+              <p:cNvPr id="14" name="Rectangle: Rounded Corners 13">
+                <a:extLst>
+                  <a:ext uri="{FF2B5EF4-FFF2-40B4-BE49-F238E27FC236}">
+                    <a16:creationId xmlns:a16="http://schemas.microsoft.com/office/drawing/2014/main" id="{704395A0-4D19-499E-985A-51D8A934F946}"/>
+                  </a:ext>
+                </a:extLst>
+              </p:cNvPr>
+              <p:cNvSpPr/>
+              <p:nvPr/>
+            </p:nvSpPr>
+            <p:spPr>
+              <a:xfrm>
+                <a:off x="5294629" y="3541882"/>
+                <a:ext cx="1045845" cy="257175"/>
+              </a:xfrm>
+              <a:prstGeom prst="roundRect">
+                <a:avLst/>
+              </a:prstGeom>
+              <a:noFill/>
+              <a:ln w="38100">
+                <a:solidFill>
+                  <a:srgbClr val="FF0000"/>
+                </a:solidFill>
+              </a:ln>
+            </p:spPr>
+            <p:style>
+              <a:lnRef idx="2">
+                <a:schemeClr val="accent1">
+                  <a:shade val="50000"/>
+                </a:schemeClr>
+              </a:lnRef>
+              <a:fillRef idx="1">
+                <a:schemeClr val="accent1"/>
+              </a:fillRef>
+              <a:effectRef idx="0">
+                <a:schemeClr val="accent1"/>
+              </a:effectRef>
+              <a:fontRef idx="minor">
+                <a:schemeClr val="lt1"/>
+              </a:fontRef>
+            </p:style>
+            <p:txBody>
+              <a:bodyPr rtlCol="0" anchor="ctr"/>
+              <a:lstStyle/>
+              <a:p>
+                <a:pPr algn="ctr"/>
+                <a:endParaRPr lang="en-US"/>
+              </a:p>
+            </p:txBody>
+          </p:sp>
+        </p:grpSp>
+      </p:grpSp>
+      <p:grpSp>
+        <p:nvGrpSpPr>
+          <p:cNvPr id="19" name="Group 18">
+            <a:extLst>
+              <a:ext uri="{FF2B5EF4-FFF2-40B4-BE49-F238E27FC236}">
+                <a16:creationId xmlns:a16="http://schemas.microsoft.com/office/drawing/2014/main" id="{23C7CDF6-3C93-4293-837B-468C9D06DFB5}"/>
+              </a:ext>
+            </a:extLst>
+          </p:cNvPr>
+          <p:cNvGrpSpPr/>
+          <p:nvPr/>
+        </p:nvGrpSpPr>
+        <p:grpSpPr>
+          <a:xfrm>
+            <a:off x="7003961" y="2839253"/>
+            <a:ext cx="1671362" cy="1371600"/>
+            <a:chOff x="7003961" y="2829728"/>
+            <a:chExt cx="1671362" cy="1371600"/>
+          </a:xfrm>
+        </p:grpSpPr>
+        <p:grpSp>
+          <p:nvGrpSpPr>
+            <p:cNvPr id="18" name="Group 17">
+              <a:extLst>
+                <a:ext uri="{FF2B5EF4-FFF2-40B4-BE49-F238E27FC236}">
+                  <a16:creationId xmlns:a16="http://schemas.microsoft.com/office/drawing/2014/main" id="{2DB8658D-945D-42A0-9C41-B84DBE50AE55}"/>
+                </a:ext>
+              </a:extLst>
+            </p:cNvPr>
+            <p:cNvGrpSpPr/>
+            <p:nvPr/>
+          </p:nvGrpSpPr>
+          <p:grpSpPr>
+            <a:xfrm>
+              <a:off x="7003961" y="2829728"/>
+              <a:ext cx="1671362" cy="1371600"/>
+              <a:chOff x="7003961" y="2958219"/>
+              <a:chExt cx="1671362" cy="1371600"/>
+            </a:xfrm>
+          </p:grpSpPr>
+          <p:pic>
+            <p:nvPicPr>
+              <p:cNvPr id="7" name="Picture 6">
+                <a:extLst>
+                  <a:ext uri="{FF2B5EF4-FFF2-40B4-BE49-F238E27FC236}">
+                    <a16:creationId xmlns:a16="http://schemas.microsoft.com/office/drawing/2014/main" id="{8A337EE1-5C03-4C13-AC31-455CF12AAB3D}"/>
+                  </a:ext>
+                </a:extLst>
+              </p:cNvPr>
+              <p:cNvPicPr>
+                <a:picLocks noChangeAspect="1"/>
+              </p:cNvPicPr>
+              <p:nvPr/>
+            </p:nvPicPr>
+            <p:blipFill rotWithShape="1">
+              <a:blip r:embed="rId5"/>
+              <a:srcRect l="17577" r="21630"/>
+              <a:stretch/>
+            </p:blipFill>
+            <p:spPr>
+              <a:xfrm>
+                <a:off x="7303723" y="2958219"/>
+                <a:ext cx="1371600" cy="1371600"/>
+              </a:xfrm>
+              <a:prstGeom prst="rect">
+                <a:avLst/>
+              </a:prstGeom>
+            </p:spPr>
+          </p:pic>
+          <p:sp>
+            <p:nvSpPr>
+              <p:cNvPr id="9" name="TextBox 8">
+                <a:extLst>
+                  <a:ext uri="{FF2B5EF4-FFF2-40B4-BE49-F238E27FC236}">
+                    <a16:creationId xmlns:a16="http://schemas.microsoft.com/office/drawing/2014/main" id="{BCA3C98E-38FC-4963-A608-C6C5437082B0}"/>
+                  </a:ext>
+                </a:extLst>
+              </p:cNvPr>
+              <p:cNvSpPr txBox="1"/>
+              <p:nvPr/>
+            </p:nvSpPr>
+            <p:spPr>
+              <a:xfrm>
+                <a:off x="7003961" y="2958219"/>
+                <a:ext cx="299762" cy="430887"/>
+              </a:xfrm>
+              <a:prstGeom prst="rect">
+                <a:avLst/>
+              </a:prstGeom>
+              <a:noFill/>
+            </p:spPr>
+            <p:txBody>
+              <a:bodyPr wrap="none" lIns="0" tIns="0" rIns="0" bIns="0" rtlCol="0">
+                <a:spAutoFit/>
+              </a:bodyPr>
+              <a:lstStyle/>
+              <a:p>
+                <a:r>
+                  <a:rPr lang="en-US" sz="2800" b="1" dirty="0"/>
+                  <a:t>4 </a:t>
+                </a:r>
+              </a:p>
+            </p:txBody>
+          </p:sp>
+        </p:grpSp>
+        <p:sp>
+          <p:nvSpPr>
+            <p:cNvPr id="15" name="Rectangle: Rounded Corners 14">
+              <a:extLst>
+                <a:ext uri="{FF2B5EF4-FFF2-40B4-BE49-F238E27FC236}">
+                  <a16:creationId xmlns:a16="http://schemas.microsoft.com/office/drawing/2014/main" id="{3B336B81-115C-44AB-ABF4-B3D44E686BB6}"/>
+                </a:ext>
+              </a:extLst>
+            </p:cNvPr>
+            <p:cNvSpPr/>
+            <p:nvPr/>
+          </p:nvSpPr>
+          <p:spPr>
+            <a:xfrm>
+              <a:off x="7546975" y="3586584"/>
+              <a:ext cx="517347" cy="196746"/>
+            </a:xfrm>
+            <a:prstGeom prst="roundRect">
+              <a:avLst/>
+            </a:prstGeom>
+            <a:noFill/>
+            <a:ln w="38100">
+              <a:solidFill>
+                <a:srgbClr val="FF0000"/>
+              </a:solidFill>
+            </a:ln>
+          </p:spPr>
+          <p:style>
+            <a:lnRef idx="2">
+              <a:schemeClr val="accent1">
+                <a:shade val="50000"/>
+              </a:schemeClr>
+            </a:lnRef>
+            <a:fillRef idx="1">
+              <a:schemeClr val="accent1"/>
+            </a:fillRef>
+            <a:effectRef idx="0">
+              <a:schemeClr val="accent1"/>
+            </a:effectRef>
+            <a:fontRef idx="minor">
+              <a:schemeClr val="lt1"/>
+            </a:fontRef>
+          </p:style>
+          <p:txBody>
+            <a:bodyPr rtlCol="0" anchor="ctr"/>
+            <a:lstStyle/>
+            <a:p>
+              <a:pPr algn="ctr"/>
+              <a:endParaRPr lang="en-US"/>
+            </a:p>
+          </p:txBody>
+        </p:sp>
+      </p:grpSp>
     </p:spTree>
     <p:extLst>
       <p:ext uri="{BB962C8B-B14F-4D97-AF65-F5344CB8AC3E}">
         <p14:creationId xmlns:p14="http://schemas.microsoft.com/office/powerpoint/2010/main" val="3172299774"/>
-      </p:ext>
-    </p:extLst>
-  </p:cSld>
-  <p:clrMapOvr>
-    <a:masterClrMapping/>
-  </p:clrMapOvr>
-</p:sld>
-</file>
-
-<file path=ppt/slides/slide7.xml><?xml version="1.0" encoding="utf-8"?>
-<p:sld xmlns:a="http://schemas.openxmlformats.org/drawingml/2006/main" xmlns:r="http://schemas.openxmlformats.org/officeDocument/2006/relationships" xmlns:p="http://schemas.openxmlformats.org/presentationml/2006/main">
-  <p:cSld>
-    <p:spTree>
-      <p:nvGrpSpPr>
-        <p:cNvPr id="1" name=""/>
-        <p:cNvGrpSpPr/>
-        <p:nvPr/>
-      </p:nvGrpSpPr>
-      <p:grpSpPr>
-        <a:xfrm>
-          <a:off x="0" y="0"/>
-          <a:ext cx="0" cy="0"/>
-          <a:chOff x="0" y="0"/>
-          <a:chExt cx="0" cy="0"/>
-        </a:xfrm>
-      </p:grpSpPr>
-      <p:sp>
-        <p:nvSpPr>
-          <p:cNvPr id="2" name="Title 1">
-            <a:extLst>
-              <a:ext uri="{FF2B5EF4-FFF2-40B4-BE49-F238E27FC236}">
-                <a16:creationId xmlns:a16="http://schemas.microsoft.com/office/drawing/2014/main" id="{02E934C3-2C9D-4D16-A50C-F324838A6D8A}"/>
-              </a:ext>
-            </a:extLst>
-          </p:cNvPr>
-          <p:cNvSpPr>
-            <a:spLocks noGrp="1"/>
-          </p:cNvSpPr>
-          <p:nvPr>
-            <p:ph type="title"/>
-          </p:nvPr>
-        </p:nvSpPr>
-        <p:spPr/>
-        <p:txBody>
-          <a:bodyPr/>
-          <a:lstStyle/>
-          <a:p>
-            <a:r>
-              <a:rPr lang="en-US" dirty="0" err="1"/>
-              <a:t>nanoHUB</a:t>
-            </a:r>
-            <a:r>
-              <a:rPr lang="en-US" dirty="0"/>
-              <a:t> Account</a:t>
-            </a:r>
-          </a:p>
-        </p:txBody>
-      </p:sp>
-      <p:sp>
-        <p:nvSpPr>
-          <p:cNvPr id="3" name="Content Placeholder 2">
-            <a:extLst>
-              <a:ext uri="{FF2B5EF4-FFF2-40B4-BE49-F238E27FC236}">
-                <a16:creationId xmlns:a16="http://schemas.microsoft.com/office/drawing/2014/main" id="{8EA896FF-4275-4A0D-907C-2930EBAB3952}"/>
-              </a:ext>
-            </a:extLst>
-          </p:cNvPr>
-          <p:cNvSpPr>
-            <a:spLocks noGrp="1"/>
-          </p:cNvSpPr>
-          <p:nvPr>
-            <p:ph idx="1"/>
-          </p:nvPr>
-        </p:nvSpPr>
-        <p:spPr/>
-        <p:txBody>
-          <a:bodyPr>
-            <a:normAutofit fontScale="92500" lnSpcReduction="10000"/>
-          </a:bodyPr>
-          <a:lstStyle/>
-          <a:p>
-            <a:r>
-              <a:rPr lang="en-US" dirty="0"/>
-              <a:t>These tutorials extensively use cloud-hosted PhysiCell models, hosted on nanoHUB.org. </a:t>
-            </a:r>
-          </a:p>
-          <a:p>
-            <a:endParaRPr lang="en-US" dirty="0"/>
-          </a:p>
-          <a:p>
-            <a:r>
-              <a:rPr lang="en-US" dirty="0" err="1"/>
-              <a:t>nanoHUB</a:t>
-            </a:r>
-            <a:r>
-              <a:rPr lang="en-US" dirty="0"/>
-              <a:t> is free, but it requires a one-time registration to help them track usage.</a:t>
-            </a:r>
-          </a:p>
-          <a:p>
-            <a:endParaRPr lang="en-US" dirty="0"/>
-          </a:p>
-          <a:p>
-            <a:r>
-              <a:rPr lang="en-US" b="1" u="sng" dirty="0"/>
-              <a:t>Steps</a:t>
-            </a:r>
-            <a:r>
-              <a:rPr lang="en-US" b="1" dirty="0"/>
-              <a:t>:</a:t>
-            </a:r>
-          </a:p>
-          <a:p>
-            <a:pPr marL="630237" lvl="1" indent="-457200">
-              <a:buFont typeface="+mj-lt"/>
-              <a:buAutoNum type="arabicPeriod"/>
-            </a:pPr>
-            <a:r>
-              <a:rPr lang="en-US" dirty="0"/>
-              <a:t>Visit </a:t>
-            </a:r>
-            <a:r>
-              <a:rPr lang="en-US" dirty="0">
-                <a:hlinkClick r:id="rId2"/>
-              </a:rPr>
-              <a:t>https://nanohub.org/register</a:t>
-            </a:r>
-            <a:r>
-              <a:rPr lang="en-US" dirty="0"/>
-              <a:t> </a:t>
-            </a:r>
-          </a:p>
-          <a:p>
-            <a:pPr marL="630237" lvl="1" indent="-457200">
-              <a:buFont typeface="+mj-lt"/>
-              <a:buAutoNum type="arabicPeriod"/>
-            </a:pPr>
-            <a:r>
-              <a:rPr lang="en-US" dirty="0" err="1"/>
-              <a:t>dfdf</a:t>
-            </a:r>
-            <a:r>
-              <a:rPr lang="en-US" dirty="0"/>
-              <a:t> </a:t>
-            </a:r>
-          </a:p>
-          <a:p>
-            <a:endParaRPr lang="en-US" dirty="0"/>
-          </a:p>
-          <a:p>
-            <a:r>
-              <a:rPr lang="en-US" dirty="0"/>
-              <a:t>For more details, see: </a:t>
-            </a:r>
-          </a:p>
-        </p:txBody>
-      </p:sp>
-    </p:spTree>
-    <p:extLst>
-      <p:ext uri="{BB962C8B-B14F-4D97-AF65-F5344CB8AC3E}">
-        <p14:creationId xmlns:p14="http://schemas.microsoft.com/office/powerpoint/2010/main" val="1710616996"/>
-      </p:ext>
-    </p:extLst>
-  </p:cSld>
-  <p:clrMapOvr>
-    <a:masterClrMapping/>
-  </p:clrMapOvr>
-</p:sld>
-</file>
-
-<file path=ppt/slides/slide8.xml><?xml version="1.0" encoding="utf-8"?>
-<p:sld xmlns:a="http://schemas.openxmlformats.org/drawingml/2006/main" xmlns:r="http://schemas.openxmlformats.org/officeDocument/2006/relationships" xmlns:p="http://schemas.openxmlformats.org/presentationml/2006/main">
-  <p:cSld>
-    <p:spTree>
-      <p:nvGrpSpPr>
-        <p:cNvPr id="1" name=""/>
-        <p:cNvGrpSpPr/>
-        <p:nvPr/>
-      </p:nvGrpSpPr>
-      <p:grpSpPr>
-        <a:xfrm>
-          <a:off x="0" y="0"/>
-          <a:ext cx="0" cy="0"/>
-          <a:chOff x="0" y="0"/>
-          <a:chExt cx="0" cy="0"/>
-        </a:xfrm>
-      </p:grpSpPr>
-      <p:sp>
-        <p:nvSpPr>
-          <p:cNvPr id="2" name="Title 1">
-            <a:extLst>
-              <a:ext uri="{FF2B5EF4-FFF2-40B4-BE49-F238E27FC236}">
-                <a16:creationId xmlns:a16="http://schemas.microsoft.com/office/drawing/2014/main" id="{02E934C3-2C9D-4D16-A50C-F324838A6D8A}"/>
-              </a:ext>
-            </a:extLst>
-          </p:cNvPr>
-          <p:cNvSpPr>
-            <a:spLocks noGrp="1"/>
-          </p:cNvSpPr>
-          <p:nvPr>
-            <p:ph type="title"/>
-          </p:nvPr>
-        </p:nvSpPr>
-        <p:spPr/>
-        <p:txBody>
-          <a:bodyPr/>
-          <a:lstStyle/>
-          <a:p>
-            <a:r>
-              <a:rPr lang="en-US" dirty="0" err="1"/>
-              <a:t>nanoHUB</a:t>
-            </a:r>
-            <a:r>
-              <a:rPr lang="en-US" dirty="0"/>
-              <a:t> Account</a:t>
-            </a:r>
-          </a:p>
-        </p:txBody>
-      </p:sp>
-      <p:sp>
-        <p:nvSpPr>
-          <p:cNvPr id="3" name="Content Placeholder 2">
-            <a:extLst>
-              <a:ext uri="{FF2B5EF4-FFF2-40B4-BE49-F238E27FC236}">
-                <a16:creationId xmlns:a16="http://schemas.microsoft.com/office/drawing/2014/main" id="{8EA896FF-4275-4A0D-907C-2930EBAB3952}"/>
-              </a:ext>
-            </a:extLst>
-          </p:cNvPr>
-          <p:cNvSpPr>
-            <a:spLocks noGrp="1"/>
-          </p:cNvSpPr>
-          <p:nvPr>
-            <p:ph idx="1"/>
-          </p:nvPr>
-        </p:nvSpPr>
-        <p:spPr/>
-        <p:txBody>
-          <a:bodyPr>
-            <a:normAutofit fontScale="77500" lnSpcReduction="20000"/>
-          </a:bodyPr>
-          <a:lstStyle/>
-          <a:p>
-            <a:r>
-              <a:rPr lang="en-US" dirty="0"/>
-              <a:t>These tutorials extensively use cloud-hosted PhysiCell models, hosted on nanoHUB.org. </a:t>
-            </a:r>
-          </a:p>
-          <a:p>
-            <a:endParaRPr lang="en-US" dirty="0"/>
-          </a:p>
-          <a:p>
-            <a:r>
-              <a:rPr lang="en-US" dirty="0" err="1"/>
-              <a:t>nanoHUB</a:t>
-            </a:r>
-            <a:r>
-              <a:rPr lang="en-US" dirty="0"/>
-              <a:t> is free, but it requires a one-time registration to help them track usage.</a:t>
-            </a:r>
-          </a:p>
-          <a:p>
-            <a:endParaRPr lang="en-US" dirty="0"/>
-          </a:p>
-          <a:p>
-            <a:r>
-              <a:rPr lang="en-US" b="1" u="sng" dirty="0"/>
-              <a:t>Steps</a:t>
-            </a:r>
-            <a:r>
-              <a:rPr lang="en-US" b="1" dirty="0"/>
-              <a:t>:</a:t>
-            </a:r>
-          </a:p>
-          <a:p>
-            <a:pPr marL="630237" lvl="1" indent="-457200">
-              <a:buFont typeface="+mj-lt"/>
-              <a:buAutoNum type="arabicPeriod"/>
-            </a:pPr>
-            <a:r>
-              <a:rPr lang="en-US" dirty="0"/>
-              <a:t>Visit </a:t>
-            </a:r>
-            <a:r>
-              <a:rPr lang="en-US" dirty="0">
-                <a:hlinkClick r:id="rId2"/>
-              </a:rPr>
-              <a:t>https://nanohub.org/register</a:t>
-            </a:r>
-            <a:r>
-              <a:rPr lang="en-US" dirty="0"/>
-              <a:t> </a:t>
-            </a:r>
-          </a:p>
-          <a:p>
-            <a:pPr marL="630237" lvl="1" indent="-457200">
-              <a:buFont typeface="+mj-lt"/>
-              <a:buAutoNum type="arabicPeriod"/>
-            </a:pPr>
-            <a:r>
-              <a:rPr lang="en-US" dirty="0"/>
-              <a:t>Sign in with Google</a:t>
-            </a:r>
-          </a:p>
-          <a:p>
-            <a:pPr marL="630237" lvl="1" indent="-457200">
-              <a:buFont typeface="+mj-lt"/>
-              <a:buAutoNum type="arabicPeriod"/>
-            </a:pPr>
-            <a:r>
-              <a:rPr lang="en-US" dirty="0"/>
-              <a:t>Choose an account </a:t>
-            </a:r>
-          </a:p>
-          <a:p>
-            <a:pPr marL="630237" lvl="1" indent="-457200">
-              <a:buFont typeface="+mj-lt"/>
-              <a:buAutoNum type="arabicPeriod"/>
-            </a:pPr>
-            <a:r>
-              <a:rPr lang="en-US" dirty="0"/>
-              <a:t>Click "no" (so it doesn't try to associate with some other </a:t>
-            </a:r>
-            <a:r>
-              <a:rPr lang="en-US" dirty="0" err="1"/>
-              <a:t>nanoHIB</a:t>
-            </a:r>
-            <a:r>
-              <a:rPr lang="en-US" dirty="0"/>
-              <a:t> account)</a:t>
-            </a:r>
-          </a:p>
-          <a:p>
-            <a:pPr marL="630237" lvl="1" indent="-457200">
-              <a:buFont typeface="+mj-lt"/>
-              <a:buAutoNum type="arabicPeriod"/>
-            </a:pPr>
-            <a:r>
-              <a:rPr lang="en-US" dirty="0"/>
-              <a:t>Finish filling in details, and you're done! </a:t>
-            </a:r>
-          </a:p>
-          <a:p>
-            <a:pPr marL="630237" lvl="1" indent="-457200">
-              <a:buFont typeface="+mj-lt"/>
-              <a:buAutoNum type="arabicPeriod"/>
-            </a:pPr>
-            <a:r>
-              <a:rPr lang="en-US" dirty="0"/>
-              <a:t>Use your google account to sign in in </a:t>
-            </a:r>
-            <a:r>
-              <a:rPr lang="en-US"/>
-              <a:t>the future.  </a:t>
-            </a:r>
-            <a:endParaRPr lang="en-US" dirty="0"/>
-          </a:p>
-          <a:p>
-            <a:endParaRPr lang="en-US" dirty="0"/>
-          </a:p>
-          <a:p>
-            <a:r>
-              <a:rPr lang="en-US" dirty="0"/>
-              <a:t>For more details, see: </a:t>
-            </a:r>
-          </a:p>
-        </p:txBody>
-      </p:sp>
-      <p:pic>
-        <p:nvPicPr>
-          <p:cNvPr id="4" name="Picture 3">
-            <a:extLst>
-              <a:ext uri="{FF2B5EF4-FFF2-40B4-BE49-F238E27FC236}">
-                <a16:creationId xmlns:a16="http://schemas.microsoft.com/office/drawing/2014/main" id="{AFCD59EC-B905-49F8-9F40-ED0813F93CDA}"/>
-              </a:ext>
-            </a:extLst>
-          </p:cNvPr>
-          <p:cNvPicPr>
-            <a:picLocks noChangeAspect="1"/>
-          </p:cNvPicPr>
-          <p:nvPr/>
-        </p:nvPicPr>
-        <p:blipFill>
-          <a:blip r:embed="rId3"/>
-          <a:stretch>
-            <a:fillRect/>
-          </a:stretch>
-        </p:blipFill>
-        <p:spPr>
-          <a:xfrm>
-            <a:off x="-206477" y="369942"/>
-            <a:ext cx="2322076" cy="1411663"/>
-          </a:xfrm>
-          <a:prstGeom prst="rect">
-            <a:avLst/>
-          </a:prstGeom>
-        </p:spPr>
-      </p:pic>
-      <p:pic>
-        <p:nvPicPr>
-          <p:cNvPr id="7" name="Picture 6">
-            <a:extLst>
-              <a:ext uri="{FF2B5EF4-FFF2-40B4-BE49-F238E27FC236}">
-                <a16:creationId xmlns:a16="http://schemas.microsoft.com/office/drawing/2014/main" id="{7E4FDEFF-3962-4055-9373-FF88A6EEE0CF}"/>
-              </a:ext>
-            </a:extLst>
-          </p:cNvPr>
-          <p:cNvPicPr>
-            <a:picLocks noChangeAspect="1"/>
-          </p:cNvPicPr>
-          <p:nvPr/>
-        </p:nvPicPr>
-        <p:blipFill>
-          <a:blip r:embed="rId4"/>
-          <a:stretch>
-            <a:fillRect/>
-          </a:stretch>
-        </p:blipFill>
-        <p:spPr>
-          <a:xfrm>
-            <a:off x="2333836" y="431191"/>
-            <a:ext cx="1881687" cy="1143937"/>
-          </a:xfrm>
-          <a:prstGeom prst="rect">
-            <a:avLst/>
-          </a:prstGeom>
-        </p:spPr>
-      </p:pic>
-      <p:pic>
-        <p:nvPicPr>
-          <p:cNvPr id="8" name="Picture 7">
-            <a:extLst>
-              <a:ext uri="{FF2B5EF4-FFF2-40B4-BE49-F238E27FC236}">
-                <a16:creationId xmlns:a16="http://schemas.microsoft.com/office/drawing/2014/main" id="{8B69D4DE-FE78-4F4A-B0DF-04C66D2CDF93}"/>
-              </a:ext>
-            </a:extLst>
-          </p:cNvPr>
-          <p:cNvPicPr>
-            <a:picLocks noChangeAspect="1"/>
-          </p:cNvPicPr>
-          <p:nvPr/>
-        </p:nvPicPr>
-        <p:blipFill>
-          <a:blip r:embed="rId5"/>
-          <a:stretch>
-            <a:fillRect/>
-          </a:stretch>
-        </p:blipFill>
-        <p:spPr>
-          <a:xfrm>
-            <a:off x="4572000" y="369942"/>
-            <a:ext cx="2774125" cy="1686478"/>
-          </a:xfrm>
-          <a:prstGeom prst="rect">
-            <a:avLst/>
-          </a:prstGeom>
-        </p:spPr>
-      </p:pic>
-    </p:spTree>
-    <p:extLst>
-      <p:ext uri="{BB962C8B-B14F-4D97-AF65-F5344CB8AC3E}">
-        <p14:creationId xmlns:p14="http://schemas.microsoft.com/office/powerpoint/2010/main" val="1724628786"/>
       </p:ext>
     </p:extLst>
   </p:cSld>

--- a/00-What-you-need.pptx
+++ b/00-What-you-need.pptx
@@ -271,7 +271,7 @@
               <a:pPr>
                 <a:defRPr/>
               </a:pPr>
-              <a:t>8/16/2019</a:t>
+              <a:t>11/10/2019</a:t>
             </a:fld>
             <a:endParaRPr lang="en-US" dirty="0"/>
           </a:p>
@@ -462,6 +462,11 @@
         </p:txBody>
       </p:sp>
     </p:spTree>
+    <p:extLst>
+      <p:ext uri="{BB962C8B-B14F-4D97-AF65-F5344CB8AC3E}">
+        <p14:creationId xmlns:p14="http://schemas.microsoft.com/office/powerpoint/2010/main" val="4180943148"/>
+      </p:ext>
+    </p:extLst>
   </p:cSld>
   <p:clrMap bg1="lt1" tx1="dk1" bg2="lt2" tx2="dk2" accent1="accent1" accent2="accent2" accent3="accent3" accent4="accent4" accent5="accent5" accent6="accent6" hlink="hlink" folHlink="folHlink"/>
   <p:notesStyle>
@@ -899,45 +904,6 @@
           </a:p>
         </p:txBody>
       </p:sp>
-      <p:pic>
-        <p:nvPicPr>
-          <p:cNvPr id="6" name="Graphic 4">
-            <a:extLst>
-              <a:ext uri="{FF2B5EF4-FFF2-40B4-BE49-F238E27FC236}">
-                <a16:creationId xmlns:a16="http://schemas.microsoft.com/office/drawing/2014/main" id="{B3309AE9-C4A1-4406-B323-BCFC9E342F43}"/>
-              </a:ext>
-            </a:extLst>
-          </p:cNvPr>
-          <p:cNvPicPr>
-            <a:picLocks noChangeAspect="1"/>
-          </p:cNvPicPr>
-          <p:nvPr userDrawn="1"/>
-        </p:nvPicPr>
-        <p:blipFill>
-          <a:blip r:embed="rId2">
-            <a:extLst>
-              <a:ext uri="{28A0092B-C50C-407E-A947-70E740481C1C}">
-                <a14:useLocalDpi xmlns:a14="http://schemas.microsoft.com/office/drawing/2010/main" val="0"/>
-              </a:ext>
-              <a:ext uri="{96DAC541-7B7A-43D3-8B79-37D633B846F1}">
-                <asvg:svgBlip xmlns:asvg="http://schemas.microsoft.com/office/drawing/2016/SVG/main" r:embed="rId3"/>
-              </a:ext>
-            </a:extLst>
-          </a:blip>
-          <a:stretch>
-            <a:fillRect/>
-          </a:stretch>
-        </p:blipFill>
-        <p:spPr>
-          <a:xfrm>
-            <a:off x="8047250" y="4910102"/>
-            <a:ext cx="182880" cy="182880"/>
-          </a:xfrm>
-          <a:prstGeom prst="rect">
-            <a:avLst/>
-          </a:prstGeom>
-        </p:spPr>
-      </p:pic>
     </p:spTree>
     <p:extLst>
       <p:ext uri="{BB962C8B-B14F-4D97-AF65-F5344CB8AC3E}">
@@ -3446,7 +3412,7 @@
         </p:spPr>
         <p:txBody>
           <a:bodyPr vert="horz" lIns="182880" tIns="45720" rIns="182880" bIns="45720" rtlCol="0">
-            <a:normAutofit/>
+            <a:noAutofit/>
           </a:bodyPr>
           <a:lstStyle/>
           <a:p>
@@ -3486,375 +3452,19 @@
           </a:p>
         </p:txBody>
       </p:sp>
-      <p:grpSp>
-        <p:nvGrpSpPr>
-          <p:cNvPr id="9" name="Group 8"/>
-          <p:cNvGrpSpPr/>
-          <p:nvPr userDrawn="1"/>
-        </p:nvGrpSpPr>
-        <p:grpSpPr>
-          <a:xfrm>
-            <a:off x="0" y="4480560"/>
-            <a:ext cx="9144000" cy="667512"/>
-            <a:chOff x="0" y="4653468"/>
-            <a:chExt cx="9144000" cy="667512"/>
-          </a:xfrm>
-        </p:grpSpPr>
-        <p:pic>
-          <p:nvPicPr>
-            <p:cNvPr id="10" name="Picture 9"/>
-            <p:cNvPicPr>
-              <a:picLocks noChangeAspect="1"/>
-            </p:cNvPicPr>
-            <p:nvPr userDrawn="1"/>
-          </p:nvPicPr>
-          <p:blipFill rotWithShape="1">
-            <a:blip r:embed="rId25">
-              <a:extLst>
-                <a:ext uri="{28A0092B-C50C-407E-A947-70E740481C1C}">
-                  <a14:useLocalDpi xmlns:a14="http://schemas.microsoft.com/office/drawing/2010/main" val="0"/>
-                </a:ext>
-              </a:extLst>
-            </a:blip>
-            <a:srcRect t="4839" b="3146"/>
-            <a:stretch/>
-          </p:blipFill>
-          <p:spPr bwMode="auto">
-            <a:xfrm>
-              <a:off x="0" y="4653468"/>
-              <a:ext cx="9144000" cy="667512"/>
-            </a:xfrm>
-            <a:prstGeom prst="rect">
-              <a:avLst/>
-            </a:prstGeom>
-            <a:noFill/>
-            <a:ln>
-              <a:noFill/>
-            </a:ln>
-            <a:extLst>
-              <a:ext uri="{909E8E84-426E-40DD-AFC4-6F175D3DCCD1}">
-                <a14:hiddenFill xmlns:a14="http://schemas.microsoft.com/office/drawing/2010/main">
-                  <a:solidFill>
-                    <a:srgbClr val="FFFFFF"/>
-                  </a:solidFill>
-                </a14:hiddenFill>
-              </a:ext>
-              <a:ext uri="{91240B29-F687-4F45-9708-019B960494DF}">
-                <a14:hiddenLine xmlns:a14="http://schemas.microsoft.com/office/drawing/2010/main" w="9525">
-                  <a:solidFill>
-                    <a:srgbClr val="000000"/>
-                  </a:solidFill>
-                  <a:miter lim="800000"/>
-                  <a:headEnd/>
-                  <a:tailEnd/>
-                </a14:hiddenLine>
-              </a:ext>
-            </a:extLst>
-          </p:spPr>
-        </p:pic>
-        <p:sp>
-          <p:nvSpPr>
-            <p:cNvPr id="12" name="TextBox 1"/>
-            <p:cNvSpPr txBox="1">
-              <a:spLocks noChangeArrowheads="1"/>
-            </p:cNvSpPr>
-            <p:nvPr userDrawn="1"/>
-          </p:nvSpPr>
-          <p:spPr bwMode="auto">
-            <a:xfrm>
-              <a:off x="1828800" y="4710224"/>
-              <a:ext cx="7315200" cy="553998"/>
-            </a:xfrm>
-            <a:prstGeom prst="rect">
-              <a:avLst/>
-            </a:prstGeom>
-            <a:noFill/>
-            <a:ln>
-              <a:noFill/>
-            </a:ln>
-            <a:extLst>
-              <a:ext uri="{909E8E84-426E-40DD-AFC4-6F175D3DCCD1}">
-                <a14:hiddenFill xmlns:a14="http://schemas.microsoft.com/office/drawing/2010/main">
-                  <a:solidFill>
-                    <a:srgbClr val="FFFFFF"/>
-                  </a:solidFill>
-                </a14:hiddenFill>
-              </a:ext>
-              <a:ext uri="{91240B29-F687-4F45-9708-019B960494DF}">
-                <a14:hiddenLine xmlns:a14="http://schemas.microsoft.com/office/drawing/2010/main" w="9525">
-                  <a:solidFill>
-                    <a:srgbClr val="000000"/>
-                  </a:solidFill>
-                  <a:miter lim="800000"/>
-                  <a:headEnd/>
-                  <a:tailEnd/>
-                </a14:hiddenLine>
-              </a:ext>
-            </a:extLst>
-          </p:spPr>
-          <p:txBody>
-            <a:bodyPr wrap="square" lIns="0" tIns="0" rIns="91440" bIns="0" anchor="ctr">
-              <a:spAutoFit/>
-            </a:bodyPr>
-            <a:lstStyle>
-              <a:lvl1pPr>
-                <a:defRPr sz="2400" i="1">
-                  <a:solidFill>
-                    <a:schemeClr val="tx1"/>
-                  </a:solidFill>
-                  <a:latin typeface="Arial" panose="020B0604020202020204" pitchFamily="34" charset="0"/>
-                  <a:ea typeface="MS PGothic" panose="020B0600070205080204" pitchFamily="34" charset="-128"/>
-                </a:defRPr>
-              </a:lvl1pPr>
-              <a:lvl2pPr marL="742950" indent="-285750">
-                <a:defRPr sz="2400" i="1">
-                  <a:solidFill>
-                    <a:schemeClr val="tx1"/>
-                  </a:solidFill>
-                  <a:latin typeface="Arial" panose="020B0604020202020204" pitchFamily="34" charset="0"/>
-                  <a:ea typeface="MS PGothic" panose="020B0600070205080204" pitchFamily="34" charset="-128"/>
-                </a:defRPr>
-              </a:lvl2pPr>
-              <a:lvl3pPr marL="1143000" indent="-228600">
-                <a:defRPr sz="2400" i="1">
-                  <a:solidFill>
-                    <a:schemeClr val="tx1"/>
-                  </a:solidFill>
-                  <a:latin typeface="Arial" panose="020B0604020202020204" pitchFamily="34" charset="0"/>
-                  <a:ea typeface="MS PGothic" panose="020B0600070205080204" pitchFamily="34" charset="-128"/>
-                </a:defRPr>
-              </a:lvl3pPr>
-              <a:lvl4pPr marL="1600200" indent="-228600">
-                <a:defRPr sz="2400" i="1">
-                  <a:solidFill>
-                    <a:schemeClr val="tx1"/>
-                  </a:solidFill>
-                  <a:latin typeface="Arial" panose="020B0604020202020204" pitchFamily="34" charset="0"/>
-                  <a:ea typeface="MS PGothic" panose="020B0600070205080204" pitchFamily="34" charset="-128"/>
-                </a:defRPr>
-              </a:lvl4pPr>
-              <a:lvl5pPr marL="2057400" indent="-228600">
-                <a:defRPr sz="2400" i="1">
-                  <a:solidFill>
-                    <a:schemeClr val="tx1"/>
-                  </a:solidFill>
-                  <a:latin typeface="Arial" panose="020B0604020202020204" pitchFamily="34" charset="0"/>
-                  <a:ea typeface="MS PGothic" panose="020B0600070205080204" pitchFamily="34" charset="-128"/>
-                </a:defRPr>
-              </a:lvl5pPr>
-              <a:lvl6pPr marL="2514600" indent="-228600" eaLnBrk="0" fontAlgn="base" hangingPunct="0">
-                <a:spcBef>
-                  <a:spcPct val="0"/>
-                </a:spcBef>
-                <a:spcAft>
-                  <a:spcPct val="0"/>
-                </a:spcAft>
-                <a:defRPr sz="2400" i="1">
-                  <a:solidFill>
-                    <a:schemeClr val="tx1"/>
-                  </a:solidFill>
-                  <a:latin typeface="Arial" panose="020B0604020202020204" pitchFamily="34" charset="0"/>
-                  <a:ea typeface="MS PGothic" panose="020B0600070205080204" pitchFamily="34" charset="-128"/>
-                </a:defRPr>
-              </a:lvl6pPr>
-              <a:lvl7pPr marL="2971800" indent="-228600" eaLnBrk="0" fontAlgn="base" hangingPunct="0">
-                <a:spcBef>
-                  <a:spcPct val="0"/>
-                </a:spcBef>
-                <a:spcAft>
-                  <a:spcPct val="0"/>
-                </a:spcAft>
-                <a:defRPr sz="2400" i="1">
-                  <a:solidFill>
-                    <a:schemeClr val="tx1"/>
-                  </a:solidFill>
-                  <a:latin typeface="Arial" panose="020B0604020202020204" pitchFamily="34" charset="0"/>
-                  <a:ea typeface="MS PGothic" panose="020B0600070205080204" pitchFamily="34" charset="-128"/>
-                </a:defRPr>
-              </a:lvl7pPr>
-              <a:lvl8pPr marL="3429000" indent="-228600" eaLnBrk="0" fontAlgn="base" hangingPunct="0">
-                <a:spcBef>
-                  <a:spcPct val="0"/>
-                </a:spcBef>
-                <a:spcAft>
-                  <a:spcPct val="0"/>
-                </a:spcAft>
-                <a:defRPr sz="2400" i="1">
-                  <a:solidFill>
-                    <a:schemeClr val="tx1"/>
-                  </a:solidFill>
-                  <a:latin typeface="Arial" panose="020B0604020202020204" pitchFamily="34" charset="0"/>
-                  <a:ea typeface="MS PGothic" panose="020B0600070205080204" pitchFamily="34" charset="-128"/>
-                </a:defRPr>
-              </a:lvl8pPr>
-              <a:lvl9pPr marL="3886200" indent="-228600" eaLnBrk="0" fontAlgn="base" hangingPunct="0">
-                <a:spcBef>
-                  <a:spcPct val="0"/>
-                </a:spcBef>
-                <a:spcAft>
-                  <a:spcPct val="0"/>
-                </a:spcAft>
-                <a:defRPr sz="2400" i="1">
-                  <a:solidFill>
-                    <a:schemeClr val="tx1"/>
-                  </a:solidFill>
-                  <a:latin typeface="Arial" panose="020B0604020202020204" pitchFamily="34" charset="0"/>
-                  <a:ea typeface="MS PGothic" panose="020B0600070205080204" pitchFamily="34" charset="-128"/>
-                </a:defRPr>
-              </a:lvl9pPr>
-            </a:lstStyle>
-            <a:p>
-              <a:pPr marL="0" marR="0" lvl="0" indent="0" algn="r" defTabSz="914400" eaLnBrk="1" fontAlgn="auto" latinLnBrk="0" hangingPunct="1">
-                <a:lnSpc>
-                  <a:spcPct val="100000"/>
-                </a:lnSpc>
-                <a:spcBef>
-                  <a:spcPts val="0"/>
-                </a:spcBef>
-                <a:spcAft>
-                  <a:spcPts val="0"/>
-                </a:spcAft>
-                <a:buClrTx/>
-                <a:buSzTx/>
-                <a:buFontTx/>
-                <a:buNone/>
-                <a:tabLst/>
-                <a:defRPr/>
-              </a:pPr>
-              <a:r>
-                <a:rPr kumimoji="0" lang="en-US" altLang="en-US" sz="1200" b="1" i="0" u="none" strike="noStrike" kern="0" cap="none" spc="0" normalizeH="0" baseline="0" noProof="0" dirty="0">
-                  <a:ln>
-                    <a:noFill/>
-                  </a:ln>
-                  <a:solidFill>
-                    <a:schemeClr val="bg1"/>
-                  </a:solidFill>
-                  <a:effectLst/>
-                  <a:uLnTx/>
-                  <a:uFillTx/>
-                  <a:latin typeface="Arial" panose="020B0604020202020204" pitchFamily="34" charset="0"/>
-                  <a:ea typeface="MS PGothic" panose="020B0600070205080204" pitchFamily="34" charset="-128"/>
-                </a:rPr>
-                <a:t>PhysiCell Project</a:t>
-              </a:r>
-            </a:p>
-            <a:p>
-              <a:pPr marL="0" marR="0" lvl="0" indent="0" algn="r" defTabSz="914400" eaLnBrk="1" fontAlgn="auto" latinLnBrk="0" hangingPunct="1">
-                <a:lnSpc>
-                  <a:spcPct val="100000"/>
-                </a:lnSpc>
-                <a:spcBef>
-                  <a:spcPts val="0"/>
-                </a:spcBef>
-                <a:spcAft>
-                  <a:spcPts val="0"/>
-                </a:spcAft>
-                <a:buClrTx/>
-                <a:buSzTx/>
-                <a:buFontTx/>
-                <a:buNone/>
-                <a:tabLst/>
-                <a:defRPr/>
-              </a:pPr>
-              <a:r>
-                <a:rPr kumimoji="0" lang="en-US" altLang="en-US" sz="1200" b="1" i="0" u="none" strike="noStrike" kern="0" cap="none" spc="0" normalizeH="0" baseline="0" noProof="0" dirty="0">
-                  <a:ln>
-                    <a:noFill/>
-                  </a:ln>
-                  <a:solidFill>
-                    <a:schemeClr val="accent4">
-                      <a:lumMod val="20000"/>
-                      <a:lumOff val="80000"/>
-                    </a:schemeClr>
-                  </a:solidFill>
-                  <a:effectLst/>
-                  <a:uLnTx/>
-                  <a:uFillTx/>
-                  <a:latin typeface="Arial" panose="020B0604020202020204" pitchFamily="34" charset="0"/>
-                  <a:ea typeface="MS PGothic" panose="020B0600070205080204" pitchFamily="34" charset="-128"/>
-                </a:rPr>
-                <a:t>PhysiCell.org</a:t>
-              </a:r>
-            </a:p>
-            <a:p>
-              <a:pPr marL="0" marR="0" lvl="0" indent="0" algn="r" defTabSz="914400" eaLnBrk="1" fontAlgn="auto" latinLnBrk="0" hangingPunct="1">
-                <a:lnSpc>
-                  <a:spcPct val="100000"/>
-                </a:lnSpc>
-                <a:spcBef>
-                  <a:spcPts val="0"/>
-                </a:spcBef>
-                <a:spcAft>
-                  <a:spcPts val="0"/>
-                </a:spcAft>
-                <a:buClrTx/>
-                <a:buSzTx/>
-                <a:buFontTx/>
-                <a:buNone/>
-                <a:tabLst/>
-                <a:defRPr/>
-              </a:pPr>
-              <a:r>
-                <a:rPr kumimoji="0" lang="en-US" altLang="en-US" sz="1200" b="1" i="0" u="none" strike="noStrike" kern="0" cap="none" spc="0" normalizeH="0" baseline="0" noProof="0" dirty="0">
-                  <a:ln>
-                    <a:noFill/>
-                  </a:ln>
-                  <a:solidFill>
-                    <a:schemeClr val="accent4">
-                      <a:lumMod val="60000"/>
-                      <a:lumOff val="40000"/>
-                    </a:schemeClr>
-                  </a:solidFill>
-                  <a:effectLst/>
-                  <a:uLnTx/>
-                  <a:uFillTx/>
-                  <a:latin typeface="Arial" panose="020B0604020202020204" pitchFamily="34" charset="0"/>
-                  <a:ea typeface="MS PGothic" panose="020B0600070205080204" pitchFamily="34" charset="-128"/>
-                </a:rPr>
-                <a:t>#PhysiCell</a:t>
-              </a:r>
-              <a:endParaRPr kumimoji="0" lang="en-US" altLang="en-US" sz="1400" b="1" i="0" u="none" strike="noStrike" kern="0" cap="none" spc="0" normalizeH="0" baseline="0" noProof="0" dirty="0">
-                <a:ln>
-                  <a:noFill/>
-                </a:ln>
-                <a:solidFill>
-                  <a:schemeClr val="accent4">
-                    <a:lumMod val="60000"/>
-                    <a:lumOff val="40000"/>
-                  </a:schemeClr>
-                </a:solidFill>
-                <a:effectLst/>
-                <a:uLnTx/>
-                <a:uFillTx/>
-                <a:latin typeface="Arial" panose="020B0604020202020204" pitchFamily="34" charset="0"/>
-                <a:ea typeface="MS PGothic" panose="020B0600070205080204" pitchFamily="34" charset="-128"/>
-              </a:endParaRPr>
-            </a:p>
-          </p:txBody>
-        </p:sp>
-      </p:grpSp>
       <p:pic>
         <p:nvPicPr>
-          <p:cNvPr id="7" name="Graphic 4">
-            <a:extLst>
-              <a:ext uri="{FF2B5EF4-FFF2-40B4-BE49-F238E27FC236}">
-                <a16:creationId xmlns:a16="http://schemas.microsoft.com/office/drawing/2014/main" id="{558AB7B8-1584-46B3-9147-8234DE4FB9A7}"/>
-              </a:ext>
-            </a:extLst>
-          </p:cNvPr>
+          <p:cNvPr id="4" name="Picture 3"/>
           <p:cNvPicPr>
             <a:picLocks noChangeAspect="1"/>
           </p:cNvPicPr>
           <p:nvPr userDrawn="1"/>
         </p:nvPicPr>
         <p:blipFill>
-          <a:blip r:embed="rId26">
+          <a:blip r:embed="rId25">
             <a:extLst>
               <a:ext uri="{28A0092B-C50C-407E-A947-70E740481C1C}">
                 <a14:useLocalDpi xmlns:a14="http://schemas.microsoft.com/office/drawing/2010/main" val="0"/>
-              </a:ext>
-              <a:ext uri="{96DAC541-7B7A-43D3-8B79-37D633B846F1}">
-                <asvg:svgBlip xmlns:asvg="http://schemas.microsoft.com/office/drawing/2016/SVG/main" r:embed="rId27"/>
               </a:ext>
             </a:extLst>
           </a:blip>
@@ -3864,8 +3474,8 @@
         </p:blipFill>
         <p:spPr>
           <a:xfrm>
-            <a:off x="8047248" y="4910101"/>
-            <a:ext cx="182880" cy="182880"/>
+            <a:off x="0" y="4475988"/>
+            <a:ext cx="9144000" cy="667512"/>
           </a:xfrm>
           <a:prstGeom prst="rect">
             <a:avLst/>
@@ -4376,7 +3986,15 @@
                   <a:schemeClr val="tx1"/>
                 </a:solidFill>
               </a:rPr>
-              <a:t>Module 0</a:t>
+              <a:t>Module </a:t>
+            </a:r>
+            <a:r>
+              <a:rPr lang="en-US" u="sng" dirty="0" smtClean="0">
+                <a:solidFill>
+                  <a:schemeClr val="tx1"/>
+                </a:solidFill>
+              </a:rPr>
+              <a:t>00</a:t>
             </a:r>
             <a:r>
               <a:rPr lang="en-US" dirty="0">
@@ -4487,7 +4105,7 @@
           <p:cNvPr id="5" name="Graphic 4">
             <a:extLst>
               <a:ext uri="{FF2B5EF4-FFF2-40B4-BE49-F238E27FC236}">
-                <a16:creationId xmlns:a16="http://schemas.microsoft.com/office/drawing/2014/main" id="{734F3219-C3E5-4037-A29B-5892A640AF97}"/>
+                <a16:creationId xmlns="" xmlns:a16="http://schemas.microsoft.com/office/drawing/2014/main" id="{734F3219-C3E5-4037-A29B-5892A640AF97}"/>
               </a:ext>
             </a:extLst>
           </p:cNvPr>
@@ -4503,7 +4121,7 @@
                 <a14:useLocalDpi xmlns:a14="http://schemas.microsoft.com/office/drawing/2010/main" val="0"/>
               </a:ext>
               <a:ext uri="{96DAC541-7B7A-43D3-8B79-37D633B846F1}">
-                <asvg:svgBlip xmlns:asvg="http://schemas.microsoft.com/office/drawing/2016/SVG/main" r:embed="rId3"/>
+                <asvg:svgBlip xmlns="" xmlns:asvg="http://schemas.microsoft.com/office/drawing/2016/SVG/main" r:embed="rId3"/>
               </a:ext>
             </a:extLst>
           </a:blip>
@@ -4556,7 +4174,7 @@
           <p:cNvPr id="2" name="Title 1">
             <a:extLst>
               <a:ext uri="{FF2B5EF4-FFF2-40B4-BE49-F238E27FC236}">
-                <a16:creationId xmlns:a16="http://schemas.microsoft.com/office/drawing/2014/main" id="{281C6913-6593-49B3-8EAB-B8CBCEE98C50}"/>
+                <a16:creationId xmlns="" xmlns:a16="http://schemas.microsoft.com/office/drawing/2014/main" id="{281C6913-6593-49B3-8EAB-B8CBCEE98C50}"/>
               </a:ext>
             </a:extLst>
           </p:cNvPr>
@@ -4584,7 +4202,7 @@
           <p:cNvPr id="3" name="Content Placeholder 2">
             <a:extLst>
               <a:ext uri="{FF2B5EF4-FFF2-40B4-BE49-F238E27FC236}">
-                <a16:creationId xmlns:a16="http://schemas.microsoft.com/office/drawing/2014/main" id="{9EC321B9-1513-41AA-B8F0-BF42E5CDAF80}"/>
+                <a16:creationId xmlns="" xmlns:a16="http://schemas.microsoft.com/office/drawing/2014/main" id="{9EC321B9-1513-41AA-B8F0-BF42E5CDAF80}"/>
               </a:ext>
             </a:extLst>
           </p:cNvPr>
@@ -4658,7 +4276,7 @@
           <p:cNvPr id="2" name="Title 1">
             <a:extLst>
               <a:ext uri="{FF2B5EF4-FFF2-40B4-BE49-F238E27FC236}">
-                <a16:creationId xmlns:a16="http://schemas.microsoft.com/office/drawing/2014/main" id="{5C368F62-7335-4424-9F6B-4B7C1A0465DD}"/>
+                <a16:creationId xmlns="" xmlns:a16="http://schemas.microsoft.com/office/drawing/2014/main" id="{5C368F62-7335-4424-9F6B-4B7C1A0465DD}"/>
               </a:ext>
             </a:extLst>
           </p:cNvPr>
@@ -4686,7 +4304,7 @@
           <p:cNvPr id="3" name="Content Placeholder 2">
             <a:extLst>
               <a:ext uri="{FF2B5EF4-FFF2-40B4-BE49-F238E27FC236}">
-                <a16:creationId xmlns:a16="http://schemas.microsoft.com/office/drawing/2014/main" id="{675FD4E6-9C8E-4DBB-9737-AB799584CEF0}"/>
+                <a16:creationId xmlns="" xmlns:a16="http://schemas.microsoft.com/office/drawing/2014/main" id="{675FD4E6-9C8E-4DBB-9737-AB799584CEF0}"/>
               </a:ext>
             </a:extLst>
           </p:cNvPr>
@@ -4819,7 +4437,7 @@
           <p:cNvPr id="2" name="Title 1">
             <a:extLst>
               <a:ext uri="{FF2B5EF4-FFF2-40B4-BE49-F238E27FC236}">
-                <a16:creationId xmlns:a16="http://schemas.microsoft.com/office/drawing/2014/main" id="{A1608C01-04B7-4136-BC4F-AB3237C09422}"/>
+                <a16:creationId xmlns="" xmlns:a16="http://schemas.microsoft.com/office/drawing/2014/main" id="{A1608C01-04B7-4136-BC4F-AB3237C09422}"/>
               </a:ext>
             </a:extLst>
           </p:cNvPr>
@@ -4847,7 +4465,7 @@
           <p:cNvPr id="3" name="Content Placeholder 2">
             <a:extLst>
               <a:ext uri="{FF2B5EF4-FFF2-40B4-BE49-F238E27FC236}">
-                <a16:creationId xmlns:a16="http://schemas.microsoft.com/office/drawing/2014/main" id="{701145C8-A179-410D-A9BE-1570BDA04699}"/>
+                <a16:creationId xmlns="" xmlns:a16="http://schemas.microsoft.com/office/drawing/2014/main" id="{701145C8-A179-410D-A9BE-1570BDA04699}"/>
               </a:ext>
             </a:extLst>
           </p:cNvPr>
@@ -5095,7 +4713,7 @@
           <p:cNvPr id="2" name="Title 1">
             <a:extLst>
               <a:ext uri="{FF2B5EF4-FFF2-40B4-BE49-F238E27FC236}">
-                <a16:creationId xmlns:a16="http://schemas.microsoft.com/office/drawing/2014/main" id="{A1608C01-04B7-4136-BC4F-AB3237C09422}"/>
+                <a16:creationId xmlns="" xmlns:a16="http://schemas.microsoft.com/office/drawing/2014/main" id="{A1608C01-04B7-4136-BC4F-AB3237C09422}"/>
               </a:ext>
             </a:extLst>
           </p:cNvPr>
@@ -5123,7 +4741,7 @@
           <p:cNvPr id="3" name="Content Placeholder 2">
             <a:extLst>
               <a:ext uri="{FF2B5EF4-FFF2-40B4-BE49-F238E27FC236}">
-                <a16:creationId xmlns:a16="http://schemas.microsoft.com/office/drawing/2014/main" id="{701145C8-A179-410D-A9BE-1570BDA04699}"/>
+                <a16:creationId xmlns="" xmlns:a16="http://schemas.microsoft.com/office/drawing/2014/main" id="{701145C8-A179-410D-A9BE-1570BDA04699}"/>
               </a:ext>
             </a:extLst>
           </p:cNvPr>
@@ -5391,7 +5009,7 @@
           <p:cNvPr id="2" name="Title 1">
             <a:extLst>
               <a:ext uri="{FF2B5EF4-FFF2-40B4-BE49-F238E27FC236}">
-                <a16:creationId xmlns:a16="http://schemas.microsoft.com/office/drawing/2014/main" id="{02E934C3-2C9D-4D16-A50C-F324838A6D8A}"/>
+                <a16:creationId xmlns="" xmlns:a16="http://schemas.microsoft.com/office/drawing/2014/main" id="{02E934C3-2C9D-4D16-A50C-F324838A6D8A}"/>
               </a:ext>
             </a:extLst>
           </p:cNvPr>
@@ -5423,7 +5041,7 @@
           <p:cNvPr id="3" name="Content Placeholder 2">
             <a:extLst>
               <a:ext uri="{FF2B5EF4-FFF2-40B4-BE49-F238E27FC236}">
-                <a16:creationId xmlns:a16="http://schemas.microsoft.com/office/drawing/2014/main" id="{8EA896FF-4275-4A0D-907C-2930EBAB3952}"/>
+                <a16:creationId xmlns="" xmlns:a16="http://schemas.microsoft.com/office/drawing/2014/main" id="{8EA896FF-4275-4A0D-907C-2930EBAB3952}"/>
               </a:ext>
             </a:extLst>
           </p:cNvPr>
@@ -5598,7 +5216,7 @@
           <p:cNvPr id="13" name="Group 12">
             <a:extLst>
               <a:ext uri="{FF2B5EF4-FFF2-40B4-BE49-F238E27FC236}">
-                <a16:creationId xmlns:a16="http://schemas.microsoft.com/office/drawing/2014/main" id="{C9086E5C-0270-45C9-ACF6-AD0559D215EF}"/>
+                <a16:creationId xmlns="" xmlns:a16="http://schemas.microsoft.com/office/drawing/2014/main" id="{C9086E5C-0270-45C9-ACF6-AD0559D215EF}"/>
               </a:ext>
             </a:extLst>
           </p:cNvPr>
@@ -5618,7 +5236,7 @@
             <p:cNvPr id="10" name="TextBox 9">
               <a:extLst>
                 <a:ext uri="{FF2B5EF4-FFF2-40B4-BE49-F238E27FC236}">
-                  <a16:creationId xmlns:a16="http://schemas.microsoft.com/office/drawing/2014/main" id="{7C4F50DD-9F38-4541-B918-3232622F6EC6}"/>
+                  <a16:creationId xmlns="" xmlns:a16="http://schemas.microsoft.com/office/drawing/2014/main" id="{7C4F50DD-9F38-4541-B918-3232622F6EC6}"/>
                 </a:ext>
               </a:extLst>
             </p:cNvPr>
@@ -5653,7 +5271,7 @@
             <p:cNvPr id="12" name="Group 11">
               <a:extLst>
                 <a:ext uri="{FF2B5EF4-FFF2-40B4-BE49-F238E27FC236}">
-                  <a16:creationId xmlns:a16="http://schemas.microsoft.com/office/drawing/2014/main" id="{A50A5B62-8DF2-4261-A583-DE8203B23ADF}"/>
+                  <a16:creationId xmlns="" xmlns:a16="http://schemas.microsoft.com/office/drawing/2014/main" id="{A50A5B62-8DF2-4261-A583-DE8203B23ADF}"/>
                 </a:ext>
               </a:extLst>
             </p:cNvPr>
@@ -5673,7 +5291,7 @@
               <p:cNvPr id="5" name="Picture 4">
                 <a:extLst>
                   <a:ext uri="{FF2B5EF4-FFF2-40B4-BE49-F238E27FC236}">
-                    <a16:creationId xmlns:a16="http://schemas.microsoft.com/office/drawing/2014/main" id="{DD06138C-D44D-4ABC-BBDD-3ACC5B7B7086}"/>
+                    <a16:creationId xmlns="" xmlns:a16="http://schemas.microsoft.com/office/drawing/2014/main" id="{DD06138C-D44D-4ABC-BBDD-3ACC5B7B7086}"/>
                   </a:ext>
                 </a:extLst>
               </p:cNvPr>
@@ -5703,7 +5321,7 @@
               <p:cNvPr id="11" name="Rectangle: Rounded Corners 10">
                 <a:extLst>
                   <a:ext uri="{FF2B5EF4-FFF2-40B4-BE49-F238E27FC236}">
-                    <a16:creationId xmlns:a16="http://schemas.microsoft.com/office/drawing/2014/main" id="{B90FC17B-8A82-4CBC-A328-60F70264A9B4}"/>
+                    <a16:creationId xmlns="" xmlns:a16="http://schemas.microsoft.com/office/drawing/2014/main" id="{B90FC17B-8A82-4CBC-A328-60F70264A9B4}"/>
                   </a:ext>
                 </a:extLst>
               </p:cNvPr>
@@ -5757,7 +5375,7 @@
           <p:cNvPr id="17" name="Group 16">
             <a:extLst>
               <a:ext uri="{FF2B5EF4-FFF2-40B4-BE49-F238E27FC236}">
-                <a16:creationId xmlns:a16="http://schemas.microsoft.com/office/drawing/2014/main" id="{28ED6CDA-25A2-4DBF-8DF9-A288C79F0BCB}"/>
+                <a16:creationId xmlns="" xmlns:a16="http://schemas.microsoft.com/office/drawing/2014/main" id="{28ED6CDA-25A2-4DBF-8DF9-A288C79F0BCB}"/>
               </a:ext>
             </a:extLst>
           </p:cNvPr>
@@ -5777,7 +5395,7 @@
             <p:cNvPr id="8" name="TextBox 7">
               <a:extLst>
                 <a:ext uri="{FF2B5EF4-FFF2-40B4-BE49-F238E27FC236}">
-                  <a16:creationId xmlns:a16="http://schemas.microsoft.com/office/drawing/2014/main" id="{C04AED0E-A7B7-4557-AD1F-A19DDD2352B7}"/>
+                  <a16:creationId xmlns="" xmlns:a16="http://schemas.microsoft.com/office/drawing/2014/main" id="{C04AED0E-A7B7-4557-AD1F-A19DDD2352B7}"/>
                 </a:ext>
               </a:extLst>
             </p:cNvPr>
@@ -5812,7 +5430,7 @@
             <p:cNvPr id="16" name="Group 15">
               <a:extLst>
                 <a:ext uri="{FF2B5EF4-FFF2-40B4-BE49-F238E27FC236}">
-                  <a16:creationId xmlns:a16="http://schemas.microsoft.com/office/drawing/2014/main" id="{175DC1FD-3933-4CD7-855C-CF0214EE8914}"/>
+                  <a16:creationId xmlns="" xmlns:a16="http://schemas.microsoft.com/office/drawing/2014/main" id="{175DC1FD-3933-4CD7-855C-CF0214EE8914}"/>
                 </a:ext>
               </a:extLst>
             </p:cNvPr>
@@ -5832,7 +5450,7 @@
               <p:cNvPr id="6" name="Picture 5">
                 <a:extLst>
                   <a:ext uri="{FF2B5EF4-FFF2-40B4-BE49-F238E27FC236}">
-                    <a16:creationId xmlns:a16="http://schemas.microsoft.com/office/drawing/2014/main" id="{AED30853-4D46-4CAF-BBB7-B140B9E07128}"/>
+                    <a16:creationId xmlns="" xmlns:a16="http://schemas.microsoft.com/office/drawing/2014/main" id="{AED30853-4D46-4CAF-BBB7-B140B9E07128}"/>
                   </a:ext>
                 </a:extLst>
               </p:cNvPr>
@@ -5861,7 +5479,7 @@
               <p:cNvPr id="14" name="Rectangle: Rounded Corners 13">
                 <a:extLst>
                   <a:ext uri="{FF2B5EF4-FFF2-40B4-BE49-F238E27FC236}">
-                    <a16:creationId xmlns:a16="http://schemas.microsoft.com/office/drawing/2014/main" id="{704395A0-4D19-499E-985A-51D8A934F946}"/>
+                    <a16:creationId xmlns="" xmlns:a16="http://schemas.microsoft.com/office/drawing/2014/main" id="{704395A0-4D19-499E-985A-51D8A934F946}"/>
                   </a:ext>
                 </a:extLst>
               </p:cNvPr>
@@ -5915,7 +5533,7 @@
           <p:cNvPr id="19" name="Group 18">
             <a:extLst>
               <a:ext uri="{FF2B5EF4-FFF2-40B4-BE49-F238E27FC236}">
-                <a16:creationId xmlns:a16="http://schemas.microsoft.com/office/drawing/2014/main" id="{23C7CDF6-3C93-4293-837B-468C9D06DFB5}"/>
+                <a16:creationId xmlns="" xmlns:a16="http://schemas.microsoft.com/office/drawing/2014/main" id="{23C7CDF6-3C93-4293-837B-468C9D06DFB5}"/>
               </a:ext>
             </a:extLst>
           </p:cNvPr>
@@ -5935,7 +5553,7 @@
             <p:cNvPr id="18" name="Group 17">
               <a:extLst>
                 <a:ext uri="{FF2B5EF4-FFF2-40B4-BE49-F238E27FC236}">
-                  <a16:creationId xmlns:a16="http://schemas.microsoft.com/office/drawing/2014/main" id="{2DB8658D-945D-42A0-9C41-B84DBE50AE55}"/>
+                  <a16:creationId xmlns="" xmlns:a16="http://schemas.microsoft.com/office/drawing/2014/main" id="{2DB8658D-945D-42A0-9C41-B84DBE50AE55}"/>
                 </a:ext>
               </a:extLst>
             </p:cNvPr>
@@ -5955,7 +5573,7 @@
               <p:cNvPr id="7" name="Picture 6">
                 <a:extLst>
                   <a:ext uri="{FF2B5EF4-FFF2-40B4-BE49-F238E27FC236}">
-                    <a16:creationId xmlns:a16="http://schemas.microsoft.com/office/drawing/2014/main" id="{8A337EE1-5C03-4C13-AC31-455CF12AAB3D}"/>
+                    <a16:creationId xmlns="" xmlns:a16="http://schemas.microsoft.com/office/drawing/2014/main" id="{8A337EE1-5C03-4C13-AC31-455CF12AAB3D}"/>
                   </a:ext>
                 </a:extLst>
               </p:cNvPr>
@@ -5984,7 +5602,7 @@
               <p:cNvPr id="9" name="TextBox 8">
                 <a:extLst>
                   <a:ext uri="{FF2B5EF4-FFF2-40B4-BE49-F238E27FC236}">
-                    <a16:creationId xmlns:a16="http://schemas.microsoft.com/office/drawing/2014/main" id="{BCA3C98E-38FC-4963-A608-C6C5437082B0}"/>
+                    <a16:creationId xmlns="" xmlns:a16="http://schemas.microsoft.com/office/drawing/2014/main" id="{BCA3C98E-38FC-4963-A608-C6C5437082B0}"/>
                   </a:ext>
                 </a:extLst>
               </p:cNvPr>
@@ -6020,7 +5638,7 @@
             <p:cNvPr id="15" name="Rectangle: Rounded Corners 14">
               <a:extLst>
                 <a:ext uri="{FF2B5EF4-FFF2-40B4-BE49-F238E27FC236}">
-                  <a16:creationId xmlns:a16="http://schemas.microsoft.com/office/drawing/2014/main" id="{3B336B81-115C-44AB-ABF4-B3D44E686BB6}"/>
+                  <a16:creationId xmlns="" xmlns:a16="http://schemas.microsoft.com/office/drawing/2014/main" id="{3B336B81-115C-44AB-ABF4-B3D44E686BB6}"/>
                 </a:ext>
               </a:extLst>
             </p:cNvPr>

--- a/00-What-you-need.pptx
+++ b/00-What-you-need.pptx
@@ -5113,7 +5113,7 @@
           <a:p>
             <a:r>
               <a:rPr lang="en-US" dirty="0"/>
-              <a:t>Virtual Appliance</a:t>
+              <a:t>Virtual Appliance [not done]</a:t>
             </a:r>
           </a:p>
         </p:txBody>
@@ -5475,7 +5475,7 @@
             </a:r>
           </a:p>
           <a:p>
-            <a:pPr marL="630237" lvl="1" indent="-457200">
+            <a:pPr marL="457200" lvl="1" indent="-280988">
               <a:spcBef>
                 <a:spcPts val="0"/>
               </a:spcBef>
@@ -5501,7 +5501,7 @@
             </a:r>
           </a:p>
           <a:p>
-            <a:pPr marL="630237" lvl="1" indent="-457200">
+            <a:pPr marL="457200" lvl="1" indent="-280988">
               <a:spcBef>
                 <a:spcPts val="0"/>
               </a:spcBef>
@@ -5517,7 +5517,7 @@
             </a:r>
           </a:p>
           <a:p>
-            <a:pPr marL="630237" lvl="1" indent="-457200">
+            <a:pPr marL="457200" lvl="1" indent="-280988">
               <a:spcBef>
                 <a:spcPts val="0"/>
               </a:spcBef>
@@ -5533,7 +5533,7 @@
             </a:r>
           </a:p>
           <a:p>
-            <a:pPr marL="630237" lvl="1" indent="-457200">
+            <a:pPr marL="457200" lvl="1" indent="-280988">
               <a:spcBef>
                 <a:spcPts val="0"/>
               </a:spcBef>
@@ -5549,7 +5549,7 @@
             </a:r>
             <a:r>
               <a:rPr lang="en-US" dirty="0" err="1"/>
-              <a:t>nanoHIB</a:t>
+              <a:t>nanoHUB</a:t>
             </a:r>
             <a:r>
               <a:rPr lang="en-US" dirty="0"/>
@@ -5557,7 +5557,7 @@
             </a:r>
           </a:p>
           <a:p>
-            <a:pPr marL="630237" lvl="1" indent="-457200">
+            <a:pPr marL="457200" lvl="1" indent="-280988">
               <a:spcBef>
                 <a:spcPts val="0"/>
               </a:spcBef>
@@ -5573,7 +5573,7 @@
             </a:r>
           </a:p>
           <a:p>
-            <a:pPr marL="630237" lvl="1" indent="-457200">
+            <a:pPr marL="457200" lvl="1" indent="-280988">
               <a:spcBef>
                 <a:spcPts val="0"/>
               </a:spcBef>
@@ -5585,7 +5585,7 @@
             </a:pPr>
             <a:r>
               <a:rPr lang="en-US" dirty="0"/>
-              <a:t>Use your google account to sign in in the future.  </a:t>
+              <a:t>Use your google account for future sign-ins.</a:t>
             </a:r>
           </a:p>
           <a:p>
